--- a/slides.pptx
+++ b/slides.pptx
@@ -18,6 +18,9 @@
     <p:sldId id="263" r:id="rId13"/>
     <p:sldId id="264" r:id="rId14"/>
     <p:sldId id="265" r:id="rId15"/>
+    <p:sldId id="266" r:id="rId16"/>
+    <p:sldId id="267" r:id="rId17"/>
+    <p:sldId id="268" r:id="rId18"/>
   </p:sldIdLst>
   <p:sldSz cy="5143500" cx="9144000"/>
   <p:notesSz cx="6858000" cy="9144000"/>
@@ -813,7 +816,7 @@
       </p:grpSpPr>
       <p:sp>
         <p:nvSpPr>
-          <p:cNvPr id="106" name="Google Shape;106;g3aeabf6d736_1_23:notes"/>
+          <p:cNvPr id="106" name="Google Shape;106;g3aed4822521_0_10:notes"/>
           <p:cNvSpPr/>
           <p:nvPr>
             <p:ph idx="2" type="sldImg"/>
@@ -848,7 +851,7 @@
       </p:sp>
       <p:sp>
         <p:nvSpPr>
-          <p:cNvPr id="107" name="Google Shape;107;g3aeabf6d736_1_23:notes"/>
+          <p:cNvPr id="107" name="Google Shape;107;g3aed4822521_0_10:notes"/>
           <p:cNvSpPr txBox="1"/>
           <p:nvPr>
             <p:ph idx="1" type="body"/>
@@ -893,12 +896,12 @@
 </p:notes>
 </file>
 
-<file path=ppt/notesSlides/notesSlide2.xml><?xml version="1.0" encoding="utf-8"?>
+<file path=ppt/notesSlides/notesSlide11.xml><?xml version="1.0" encoding="utf-8"?>
 <p:notes xmlns:a="http://schemas.openxmlformats.org/drawingml/2006/main" xmlns:r="http://schemas.openxmlformats.org/officeDocument/2006/relationships" xmlns:mc="http://schemas.openxmlformats.org/markup-compatibility/2006" xmlns:mv="urn:schemas-microsoft-com:mac:vml" xmlns:p="http://schemas.openxmlformats.org/presentationml/2006/main" xmlns:c="http://schemas.openxmlformats.org/drawingml/2006/chart" xmlns:dgm="http://schemas.openxmlformats.org/drawingml/2006/diagram" xmlns:o="urn:schemas-microsoft-com:office:office" xmlns:v="urn:schemas-microsoft-com:vml" xmlns:pvml="urn:schemas-microsoft-com:office:powerpoint" xmlns:com="http://schemas.openxmlformats.org/drawingml/2006/compatibility" xmlns:p14="http://schemas.microsoft.com/office/powerpoint/2010/main" xmlns:p15="http://schemas.microsoft.com/office/powerpoint/2012/main" xmlns:ahyp="http://schemas.microsoft.com/office/drawing/2018/hyperlinkcolor" showMasterPhAnim="0" showMasterSp="0">
   <p:cSld>
     <p:spTree>
       <p:nvGrpSpPr>
-        <p:cNvPr id="56" name="Shape 56"/>
+        <p:cNvPr id="111" name="Shape 111"/>
         <p:cNvGrpSpPr/>
         <p:nvPr/>
       </p:nvGrpSpPr>
@@ -912,7 +915,7 @@
       </p:grpSpPr>
       <p:sp>
         <p:nvSpPr>
-          <p:cNvPr id="57" name="Google Shape;57;g3aeabf6d736_1_1:notes"/>
+          <p:cNvPr id="112" name="Google Shape;112;g3aeabf6d736_1_23:notes"/>
           <p:cNvSpPr/>
           <p:nvPr>
             <p:ph idx="2" type="sldImg"/>
@@ -947,7 +950,7 @@
       </p:sp>
       <p:sp>
         <p:nvSpPr>
-          <p:cNvPr id="58" name="Google Shape;58;g3aeabf6d736_1_1:notes"/>
+          <p:cNvPr id="113" name="Google Shape;113;g3aeabf6d736_1_23:notes"/>
           <p:cNvSpPr txBox="1"/>
           <p:nvPr>
             <p:ph idx="1" type="body"/>
@@ -992,12 +995,12 @@
 </p:notes>
 </file>
 
-<file path=ppt/notesSlides/notesSlide3.xml><?xml version="1.0" encoding="utf-8"?>
+<file path=ppt/notesSlides/notesSlide12.xml><?xml version="1.0" encoding="utf-8"?>
 <p:notes xmlns:a="http://schemas.openxmlformats.org/drawingml/2006/main" xmlns:r="http://schemas.openxmlformats.org/officeDocument/2006/relationships" xmlns:mc="http://schemas.openxmlformats.org/markup-compatibility/2006" xmlns:mv="urn:schemas-microsoft-com:mac:vml" xmlns:p="http://schemas.openxmlformats.org/presentationml/2006/main" xmlns:c="http://schemas.openxmlformats.org/drawingml/2006/chart" xmlns:dgm="http://schemas.openxmlformats.org/drawingml/2006/diagram" xmlns:o="urn:schemas-microsoft-com:office:office" xmlns:v="urn:schemas-microsoft-com:vml" xmlns:pvml="urn:schemas-microsoft-com:office:powerpoint" xmlns:com="http://schemas.openxmlformats.org/drawingml/2006/compatibility" xmlns:p14="http://schemas.microsoft.com/office/powerpoint/2010/main" xmlns:p15="http://schemas.microsoft.com/office/powerpoint/2012/main" xmlns:ahyp="http://schemas.microsoft.com/office/drawing/2018/hyperlinkcolor" showMasterPhAnim="0" showMasterSp="0">
   <p:cSld>
     <p:spTree>
       <p:nvGrpSpPr>
-        <p:cNvPr id="62" name="Shape 62"/>
+        <p:cNvPr id="117" name="Shape 117"/>
         <p:cNvGrpSpPr/>
         <p:nvPr/>
       </p:nvGrpSpPr>
@@ -1011,7 +1014,7 @@
       </p:grpSpPr>
       <p:sp>
         <p:nvSpPr>
-          <p:cNvPr id="63" name="Google Shape;63;g3aeabf6d736_1_6:notes"/>
+          <p:cNvPr id="118" name="Google Shape;118;g3af5fb058e5_0_33:notes"/>
           <p:cNvSpPr/>
           <p:nvPr>
             <p:ph idx="2" type="sldImg"/>
@@ -1046,7 +1049,7 @@
       </p:sp>
       <p:sp>
         <p:nvSpPr>
-          <p:cNvPr id="64" name="Google Shape;64;g3aeabf6d736_1_6:notes"/>
+          <p:cNvPr id="119" name="Google Shape;119;g3af5fb058e5_0_33:notes"/>
           <p:cNvSpPr txBox="1"/>
           <p:nvPr>
             <p:ph idx="1" type="body"/>
@@ -1091,12 +1094,12 @@
 </p:notes>
 </file>
 
-<file path=ppt/notesSlides/notesSlide4.xml><?xml version="1.0" encoding="utf-8"?>
+<file path=ppt/notesSlides/notesSlide13.xml><?xml version="1.0" encoding="utf-8"?>
 <p:notes xmlns:a="http://schemas.openxmlformats.org/drawingml/2006/main" xmlns:r="http://schemas.openxmlformats.org/officeDocument/2006/relationships" xmlns:mc="http://schemas.openxmlformats.org/markup-compatibility/2006" xmlns:mv="urn:schemas-microsoft-com:mac:vml" xmlns:p="http://schemas.openxmlformats.org/presentationml/2006/main" xmlns:c="http://schemas.openxmlformats.org/drawingml/2006/chart" xmlns:dgm="http://schemas.openxmlformats.org/drawingml/2006/diagram" xmlns:o="urn:schemas-microsoft-com:office:office" xmlns:v="urn:schemas-microsoft-com:vml" xmlns:pvml="urn:schemas-microsoft-com:office:powerpoint" xmlns:com="http://schemas.openxmlformats.org/drawingml/2006/compatibility" xmlns:p14="http://schemas.microsoft.com/office/powerpoint/2010/main" xmlns:p15="http://schemas.microsoft.com/office/powerpoint/2012/main" xmlns:ahyp="http://schemas.microsoft.com/office/drawing/2018/hyperlinkcolor" showMasterPhAnim="0" showMasterSp="0">
   <p:cSld>
     <p:spTree>
       <p:nvGrpSpPr>
-        <p:cNvPr id="69" name="Shape 69"/>
+        <p:cNvPr id="123" name="Shape 123"/>
         <p:cNvGrpSpPr/>
         <p:nvPr/>
       </p:nvGrpSpPr>
@@ -1110,7 +1113,7 @@
       </p:grpSpPr>
       <p:sp>
         <p:nvSpPr>
-          <p:cNvPr id="70" name="Google Shape;70;g3aeabf6d736_1_12:notes"/>
+          <p:cNvPr id="124" name="Google Shape;124;g3af5fb058e5_0_38:notes"/>
           <p:cNvSpPr/>
           <p:nvPr>
             <p:ph idx="2" type="sldImg"/>
@@ -1145,7 +1148,7 @@
       </p:sp>
       <p:sp>
         <p:nvSpPr>
-          <p:cNvPr id="71" name="Google Shape;71;g3aeabf6d736_1_12:notes"/>
+          <p:cNvPr id="125" name="Google Shape;125;g3af5fb058e5_0_38:notes"/>
           <p:cNvSpPr txBox="1"/>
           <p:nvPr>
             <p:ph idx="1" type="body"/>
@@ -1190,12 +1193,12 @@
 </p:notes>
 </file>
 
-<file path=ppt/notesSlides/notesSlide5.xml><?xml version="1.0" encoding="utf-8"?>
+<file path=ppt/notesSlides/notesSlide2.xml><?xml version="1.0" encoding="utf-8"?>
 <p:notes xmlns:a="http://schemas.openxmlformats.org/drawingml/2006/main" xmlns:r="http://schemas.openxmlformats.org/officeDocument/2006/relationships" xmlns:mc="http://schemas.openxmlformats.org/markup-compatibility/2006" xmlns:mv="urn:schemas-microsoft-com:mac:vml" xmlns:p="http://schemas.openxmlformats.org/presentationml/2006/main" xmlns:c="http://schemas.openxmlformats.org/drawingml/2006/chart" xmlns:dgm="http://schemas.openxmlformats.org/drawingml/2006/diagram" xmlns:o="urn:schemas-microsoft-com:office:office" xmlns:v="urn:schemas-microsoft-com:vml" xmlns:pvml="urn:schemas-microsoft-com:office:powerpoint" xmlns:com="http://schemas.openxmlformats.org/drawingml/2006/compatibility" xmlns:p14="http://schemas.microsoft.com/office/powerpoint/2010/main" xmlns:p15="http://schemas.microsoft.com/office/powerpoint/2012/main" xmlns:ahyp="http://schemas.microsoft.com/office/drawing/2018/hyperlinkcolor" showMasterPhAnim="0" showMasterSp="0">
   <p:cSld>
     <p:spTree>
       <p:nvGrpSpPr>
-        <p:cNvPr id="75" name="Shape 75"/>
+        <p:cNvPr id="56" name="Shape 56"/>
         <p:cNvGrpSpPr/>
         <p:nvPr/>
       </p:nvGrpSpPr>
@@ -1209,7 +1212,7 @@
       </p:grpSpPr>
       <p:sp>
         <p:nvSpPr>
-          <p:cNvPr id="76" name="Google Shape;76;g3aeabf6d736_1_18:notes"/>
+          <p:cNvPr id="57" name="Google Shape;57;g3af5fb058e5_0_5:notes"/>
           <p:cNvSpPr/>
           <p:nvPr>
             <p:ph idx="2" type="sldImg"/>
@@ -1244,7 +1247,7 @@
       </p:sp>
       <p:sp>
         <p:nvSpPr>
-          <p:cNvPr id="77" name="Google Shape;77;g3aeabf6d736_1_18:notes"/>
+          <p:cNvPr id="58" name="Google Shape;58;g3af5fb058e5_0_5:notes"/>
           <p:cNvSpPr txBox="1"/>
           <p:nvPr>
             <p:ph idx="1" type="body"/>
@@ -1289,12 +1292,12 @@
 </p:notes>
 </file>
 
-<file path=ppt/notesSlides/notesSlide6.xml><?xml version="1.0" encoding="utf-8"?>
+<file path=ppt/notesSlides/notesSlide3.xml><?xml version="1.0" encoding="utf-8"?>
 <p:notes xmlns:a="http://schemas.openxmlformats.org/drawingml/2006/main" xmlns:r="http://schemas.openxmlformats.org/officeDocument/2006/relationships" xmlns:mc="http://schemas.openxmlformats.org/markup-compatibility/2006" xmlns:mv="urn:schemas-microsoft-com:mac:vml" xmlns:p="http://schemas.openxmlformats.org/presentationml/2006/main" xmlns:c="http://schemas.openxmlformats.org/drawingml/2006/chart" xmlns:dgm="http://schemas.openxmlformats.org/drawingml/2006/diagram" xmlns:o="urn:schemas-microsoft-com:office:office" xmlns:v="urn:schemas-microsoft-com:vml" xmlns:pvml="urn:schemas-microsoft-com:office:powerpoint" xmlns:com="http://schemas.openxmlformats.org/drawingml/2006/compatibility" xmlns:p14="http://schemas.microsoft.com/office/powerpoint/2010/main" xmlns:p15="http://schemas.microsoft.com/office/powerpoint/2012/main" xmlns:ahyp="http://schemas.microsoft.com/office/drawing/2018/hyperlinkcolor" showMasterPhAnim="0" showMasterSp="0">
   <p:cSld>
     <p:spTree>
       <p:nvGrpSpPr>
-        <p:cNvPr id="81" name="Shape 81"/>
+        <p:cNvPr id="62" name="Shape 62"/>
         <p:cNvGrpSpPr/>
         <p:nvPr/>
       </p:nvGrpSpPr>
@@ -1308,7 +1311,7 @@
       </p:grpSpPr>
       <p:sp>
         <p:nvSpPr>
-          <p:cNvPr id="82" name="Google Shape;82;g3aeabf6d736_1_28:notes"/>
+          <p:cNvPr id="63" name="Google Shape;63;g3aeabf6d736_1_1:notes"/>
           <p:cNvSpPr/>
           <p:nvPr>
             <p:ph idx="2" type="sldImg"/>
@@ -1343,7 +1346,7 @@
       </p:sp>
       <p:sp>
         <p:nvSpPr>
-          <p:cNvPr id="83" name="Google Shape;83;g3aeabf6d736_1_28:notes"/>
+          <p:cNvPr id="64" name="Google Shape;64;g3aeabf6d736_1_1:notes"/>
           <p:cNvSpPr txBox="1"/>
           <p:nvPr>
             <p:ph idx="1" type="body"/>
@@ -1388,12 +1391,12 @@
 </p:notes>
 </file>
 
-<file path=ppt/notesSlides/notesSlide7.xml><?xml version="1.0" encoding="utf-8"?>
+<file path=ppt/notesSlides/notesSlide4.xml><?xml version="1.0" encoding="utf-8"?>
 <p:notes xmlns:a="http://schemas.openxmlformats.org/drawingml/2006/main" xmlns:r="http://schemas.openxmlformats.org/officeDocument/2006/relationships" xmlns:mc="http://schemas.openxmlformats.org/markup-compatibility/2006" xmlns:mv="urn:schemas-microsoft-com:mac:vml" xmlns:p="http://schemas.openxmlformats.org/presentationml/2006/main" xmlns:c="http://schemas.openxmlformats.org/drawingml/2006/chart" xmlns:dgm="http://schemas.openxmlformats.org/drawingml/2006/diagram" xmlns:o="urn:schemas-microsoft-com:office:office" xmlns:v="urn:schemas-microsoft-com:vml" xmlns:pvml="urn:schemas-microsoft-com:office:powerpoint" xmlns:com="http://schemas.openxmlformats.org/drawingml/2006/compatibility" xmlns:p14="http://schemas.microsoft.com/office/powerpoint/2010/main" xmlns:p15="http://schemas.microsoft.com/office/powerpoint/2012/main" xmlns:ahyp="http://schemas.microsoft.com/office/drawing/2018/hyperlinkcolor" showMasterPhAnim="0" showMasterSp="0">
   <p:cSld>
     <p:spTree>
       <p:nvGrpSpPr>
-        <p:cNvPr id="87" name="Shape 87"/>
+        <p:cNvPr id="68" name="Shape 68"/>
         <p:cNvGrpSpPr/>
         <p:nvPr/>
       </p:nvGrpSpPr>
@@ -1407,7 +1410,7 @@
       </p:grpSpPr>
       <p:sp>
         <p:nvSpPr>
-          <p:cNvPr id="88" name="Google Shape;88;g3aed4822521_0_5:notes"/>
+          <p:cNvPr id="69" name="Google Shape;69;g3aeabf6d736_1_6:notes"/>
           <p:cNvSpPr/>
           <p:nvPr>
             <p:ph idx="2" type="sldImg"/>
@@ -1442,7 +1445,7 @@
       </p:sp>
       <p:sp>
         <p:nvSpPr>
-          <p:cNvPr id="89" name="Google Shape;89;g3aed4822521_0_5:notes"/>
+          <p:cNvPr id="70" name="Google Shape;70;g3aeabf6d736_1_6:notes"/>
           <p:cNvSpPr txBox="1"/>
           <p:nvPr>
             <p:ph idx="1" type="body"/>
@@ -1487,12 +1490,12 @@
 </p:notes>
 </file>
 
-<file path=ppt/notesSlides/notesSlide8.xml><?xml version="1.0" encoding="utf-8"?>
+<file path=ppt/notesSlides/notesSlide5.xml><?xml version="1.0" encoding="utf-8"?>
 <p:notes xmlns:a="http://schemas.openxmlformats.org/drawingml/2006/main" xmlns:r="http://schemas.openxmlformats.org/officeDocument/2006/relationships" xmlns:mc="http://schemas.openxmlformats.org/markup-compatibility/2006" xmlns:mv="urn:schemas-microsoft-com:mac:vml" xmlns:p="http://schemas.openxmlformats.org/presentationml/2006/main" xmlns:c="http://schemas.openxmlformats.org/drawingml/2006/chart" xmlns:dgm="http://schemas.openxmlformats.org/drawingml/2006/diagram" xmlns:o="urn:schemas-microsoft-com:office:office" xmlns:v="urn:schemas-microsoft-com:vml" xmlns:pvml="urn:schemas-microsoft-com:office:powerpoint" xmlns:com="http://schemas.openxmlformats.org/drawingml/2006/compatibility" xmlns:p14="http://schemas.microsoft.com/office/powerpoint/2010/main" xmlns:p15="http://schemas.microsoft.com/office/powerpoint/2012/main" xmlns:ahyp="http://schemas.microsoft.com/office/drawing/2018/hyperlinkcolor" showMasterPhAnim="0" showMasterSp="0">
   <p:cSld>
     <p:spTree>
       <p:nvGrpSpPr>
-        <p:cNvPr id="93" name="Shape 93"/>
+        <p:cNvPr id="75" name="Shape 75"/>
         <p:cNvGrpSpPr/>
         <p:nvPr/>
       </p:nvGrpSpPr>
@@ -1506,7 +1509,7 @@
       </p:grpSpPr>
       <p:sp>
         <p:nvSpPr>
-          <p:cNvPr id="94" name="Google Shape;94;g3aed4822521_0_0:notes"/>
+          <p:cNvPr id="76" name="Google Shape;76;g3aeabf6d736_1_12:notes"/>
           <p:cNvSpPr/>
           <p:nvPr>
             <p:ph idx="2" type="sldImg"/>
@@ -1541,7 +1544,7 @@
       </p:sp>
       <p:sp>
         <p:nvSpPr>
-          <p:cNvPr id="95" name="Google Shape;95;g3aed4822521_0_0:notes"/>
+          <p:cNvPr id="77" name="Google Shape;77;g3aeabf6d736_1_12:notes"/>
           <p:cNvSpPr txBox="1"/>
           <p:nvPr>
             <p:ph idx="1" type="body"/>
@@ -1586,12 +1589,12 @@
 </p:notes>
 </file>
 
-<file path=ppt/notesSlides/notesSlide9.xml><?xml version="1.0" encoding="utf-8"?>
+<file path=ppt/notesSlides/notesSlide6.xml><?xml version="1.0" encoding="utf-8"?>
 <p:notes xmlns:a="http://schemas.openxmlformats.org/drawingml/2006/main" xmlns:r="http://schemas.openxmlformats.org/officeDocument/2006/relationships" xmlns:mc="http://schemas.openxmlformats.org/markup-compatibility/2006" xmlns:mv="urn:schemas-microsoft-com:mac:vml" xmlns:p="http://schemas.openxmlformats.org/presentationml/2006/main" xmlns:c="http://schemas.openxmlformats.org/drawingml/2006/chart" xmlns:dgm="http://schemas.openxmlformats.org/drawingml/2006/diagram" xmlns:o="urn:schemas-microsoft-com:office:office" xmlns:v="urn:schemas-microsoft-com:vml" xmlns:pvml="urn:schemas-microsoft-com:office:powerpoint" xmlns:com="http://schemas.openxmlformats.org/drawingml/2006/compatibility" xmlns:p14="http://schemas.microsoft.com/office/powerpoint/2010/main" xmlns:p15="http://schemas.microsoft.com/office/powerpoint/2012/main" xmlns:ahyp="http://schemas.microsoft.com/office/drawing/2018/hyperlinkcolor" showMasterPhAnim="0" showMasterSp="0">
   <p:cSld>
     <p:spTree>
       <p:nvGrpSpPr>
-        <p:cNvPr id="99" name="Shape 99"/>
+        <p:cNvPr id="81" name="Shape 81"/>
         <p:cNvGrpSpPr/>
         <p:nvPr/>
       </p:nvGrpSpPr>
@@ -1605,7 +1608,7 @@
       </p:grpSpPr>
       <p:sp>
         <p:nvSpPr>
-          <p:cNvPr id="100" name="Google Shape;100;g3aed4822521_0_10:notes"/>
+          <p:cNvPr id="82" name="Google Shape;82;g3aeabf6d736_1_18:notes"/>
           <p:cNvSpPr/>
           <p:nvPr>
             <p:ph idx="2" type="sldImg"/>
@@ -1640,7 +1643,304 @@
       </p:sp>
       <p:sp>
         <p:nvSpPr>
-          <p:cNvPr id="101" name="Google Shape;101;g3aed4822521_0_10:notes"/>
+          <p:cNvPr id="83" name="Google Shape;83;g3aeabf6d736_1_18:notes"/>
+          <p:cNvSpPr txBox="1"/>
+          <p:nvPr>
+            <p:ph idx="1" type="body"/>
+          </p:nvPr>
+        </p:nvSpPr>
+        <p:spPr>
+          <a:xfrm>
+            <a:off x="685800" y="4343400"/>
+            <a:ext cx="5486400" cy="4114800"/>
+          </a:xfrm>
+          <a:prstGeom prst="rect">
+            <a:avLst/>
+          </a:prstGeom>
+        </p:spPr>
+        <p:txBody>
+          <a:bodyPr anchorCtr="0" anchor="t" bIns="91425" lIns="91425" spcFirstLastPara="1" rIns="91425" wrap="square" tIns="91425">
+            <a:noAutofit/>
+          </a:bodyPr>
+          <a:lstStyle/>
+          <a:p>
+            <a:pPr indent="0" lvl="0" marL="0" rtl="0" algn="l">
+              <a:spcBef>
+                <a:spcPts val="0"/>
+              </a:spcBef>
+              <a:spcAft>
+                <a:spcPts val="0"/>
+              </a:spcAft>
+              <a:buNone/>
+            </a:pPr>
+            <a:r>
+              <a:t/>
+            </a:r>
+            <a:endParaRPr/>
+          </a:p>
+        </p:txBody>
+      </p:sp>
+    </p:spTree>
+  </p:cSld>
+  <p:clrMapOvr>
+    <a:masterClrMapping/>
+  </p:clrMapOvr>
+</p:notes>
+</file>
+
+<file path=ppt/notesSlides/notesSlide7.xml><?xml version="1.0" encoding="utf-8"?>
+<p:notes xmlns:a="http://schemas.openxmlformats.org/drawingml/2006/main" xmlns:r="http://schemas.openxmlformats.org/officeDocument/2006/relationships" xmlns:mc="http://schemas.openxmlformats.org/markup-compatibility/2006" xmlns:mv="urn:schemas-microsoft-com:mac:vml" xmlns:p="http://schemas.openxmlformats.org/presentationml/2006/main" xmlns:c="http://schemas.openxmlformats.org/drawingml/2006/chart" xmlns:dgm="http://schemas.openxmlformats.org/drawingml/2006/diagram" xmlns:o="urn:schemas-microsoft-com:office:office" xmlns:v="urn:schemas-microsoft-com:vml" xmlns:pvml="urn:schemas-microsoft-com:office:powerpoint" xmlns:com="http://schemas.openxmlformats.org/drawingml/2006/compatibility" xmlns:p14="http://schemas.microsoft.com/office/powerpoint/2010/main" xmlns:p15="http://schemas.microsoft.com/office/powerpoint/2012/main" xmlns:ahyp="http://schemas.microsoft.com/office/drawing/2018/hyperlinkcolor" showMasterPhAnim="0" showMasterSp="0">
+  <p:cSld>
+    <p:spTree>
+      <p:nvGrpSpPr>
+        <p:cNvPr id="87" name="Shape 87"/>
+        <p:cNvGrpSpPr/>
+        <p:nvPr/>
+      </p:nvGrpSpPr>
+      <p:grpSpPr>
+        <a:xfrm>
+          <a:off x="0" y="0"/>
+          <a:ext cx="0" cy="0"/>
+          <a:chOff x="0" y="0"/>
+          <a:chExt cx="0" cy="0"/>
+        </a:xfrm>
+      </p:grpSpPr>
+      <p:sp>
+        <p:nvSpPr>
+          <p:cNvPr id="88" name="Google Shape;88;g3aeabf6d736_1_28:notes"/>
+          <p:cNvSpPr/>
+          <p:nvPr>
+            <p:ph idx="2" type="sldImg"/>
+          </p:nvPr>
+        </p:nvSpPr>
+        <p:spPr>
+          <a:xfrm>
+            <a:off x="381300" y="685800"/>
+            <a:ext cx="6096000" cy="3429000"/>
+          </a:xfrm>
+          <a:custGeom>
+            <a:rect b="b" l="l" r="r" t="t"/>
+            <a:pathLst>
+              <a:path extrusionOk="0" h="120000" w="120000">
+                <a:moveTo>
+                  <a:pt x="0" y="0"/>
+                </a:moveTo>
+                <a:lnTo>
+                  <a:pt x="120000" y="0"/>
+                </a:lnTo>
+                <a:lnTo>
+                  <a:pt x="120000" y="120000"/>
+                </a:lnTo>
+                <a:lnTo>
+                  <a:pt x="0" y="120000"/>
+                </a:lnTo>
+                <a:close/>
+              </a:path>
+            </a:pathLst>
+          </a:custGeom>
+        </p:spPr>
+      </p:sp>
+      <p:sp>
+        <p:nvSpPr>
+          <p:cNvPr id="89" name="Google Shape;89;g3aeabf6d736_1_28:notes"/>
+          <p:cNvSpPr txBox="1"/>
+          <p:nvPr>
+            <p:ph idx="1" type="body"/>
+          </p:nvPr>
+        </p:nvSpPr>
+        <p:spPr>
+          <a:xfrm>
+            <a:off x="685800" y="4343400"/>
+            <a:ext cx="5486400" cy="4114800"/>
+          </a:xfrm>
+          <a:prstGeom prst="rect">
+            <a:avLst/>
+          </a:prstGeom>
+        </p:spPr>
+        <p:txBody>
+          <a:bodyPr anchorCtr="0" anchor="t" bIns="91425" lIns="91425" spcFirstLastPara="1" rIns="91425" wrap="square" tIns="91425">
+            <a:noAutofit/>
+          </a:bodyPr>
+          <a:lstStyle/>
+          <a:p>
+            <a:pPr indent="0" lvl="0" marL="0" rtl="0" algn="l">
+              <a:spcBef>
+                <a:spcPts val="0"/>
+              </a:spcBef>
+              <a:spcAft>
+                <a:spcPts val="0"/>
+              </a:spcAft>
+              <a:buNone/>
+            </a:pPr>
+            <a:r>
+              <a:t/>
+            </a:r>
+            <a:endParaRPr/>
+          </a:p>
+        </p:txBody>
+      </p:sp>
+    </p:spTree>
+  </p:cSld>
+  <p:clrMapOvr>
+    <a:masterClrMapping/>
+  </p:clrMapOvr>
+</p:notes>
+</file>
+
+<file path=ppt/notesSlides/notesSlide8.xml><?xml version="1.0" encoding="utf-8"?>
+<p:notes xmlns:a="http://schemas.openxmlformats.org/drawingml/2006/main" xmlns:r="http://schemas.openxmlformats.org/officeDocument/2006/relationships" xmlns:mc="http://schemas.openxmlformats.org/markup-compatibility/2006" xmlns:mv="urn:schemas-microsoft-com:mac:vml" xmlns:p="http://schemas.openxmlformats.org/presentationml/2006/main" xmlns:c="http://schemas.openxmlformats.org/drawingml/2006/chart" xmlns:dgm="http://schemas.openxmlformats.org/drawingml/2006/diagram" xmlns:o="urn:schemas-microsoft-com:office:office" xmlns:v="urn:schemas-microsoft-com:vml" xmlns:pvml="urn:schemas-microsoft-com:office:powerpoint" xmlns:com="http://schemas.openxmlformats.org/drawingml/2006/compatibility" xmlns:p14="http://schemas.microsoft.com/office/powerpoint/2010/main" xmlns:p15="http://schemas.microsoft.com/office/powerpoint/2012/main" xmlns:ahyp="http://schemas.microsoft.com/office/drawing/2018/hyperlinkcolor" showMasterPhAnim="0" showMasterSp="0">
+  <p:cSld>
+    <p:spTree>
+      <p:nvGrpSpPr>
+        <p:cNvPr id="93" name="Shape 93"/>
+        <p:cNvGrpSpPr/>
+        <p:nvPr/>
+      </p:nvGrpSpPr>
+      <p:grpSpPr>
+        <a:xfrm>
+          <a:off x="0" y="0"/>
+          <a:ext cx="0" cy="0"/>
+          <a:chOff x="0" y="0"/>
+          <a:chExt cx="0" cy="0"/>
+        </a:xfrm>
+      </p:grpSpPr>
+      <p:sp>
+        <p:nvSpPr>
+          <p:cNvPr id="94" name="Google Shape;94;g3aed4822521_0_5:notes"/>
+          <p:cNvSpPr/>
+          <p:nvPr>
+            <p:ph idx="2" type="sldImg"/>
+          </p:nvPr>
+        </p:nvSpPr>
+        <p:spPr>
+          <a:xfrm>
+            <a:off x="381300" y="685800"/>
+            <a:ext cx="6096000" cy="3429000"/>
+          </a:xfrm>
+          <a:custGeom>
+            <a:rect b="b" l="l" r="r" t="t"/>
+            <a:pathLst>
+              <a:path extrusionOk="0" h="120000" w="120000">
+                <a:moveTo>
+                  <a:pt x="0" y="0"/>
+                </a:moveTo>
+                <a:lnTo>
+                  <a:pt x="120000" y="0"/>
+                </a:lnTo>
+                <a:lnTo>
+                  <a:pt x="120000" y="120000"/>
+                </a:lnTo>
+                <a:lnTo>
+                  <a:pt x="0" y="120000"/>
+                </a:lnTo>
+                <a:close/>
+              </a:path>
+            </a:pathLst>
+          </a:custGeom>
+        </p:spPr>
+      </p:sp>
+      <p:sp>
+        <p:nvSpPr>
+          <p:cNvPr id="95" name="Google Shape;95;g3aed4822521_0_5:notes"/>
+          <p:cNvSpPr txBox="1"/>
+          <p:nvPr>
+            <p:ph idx="1" type="body"/>
+          </p:nvPr>
+        </p:nvSpPr>
+        <p:spPr>
+          <a:xfrm>
+            <a:off x="685800" y="4343400"/>
+            <a:ext cx="5486400" cy="4114800"/>
+          </a:xfrm>
+          <a:prstGeom prst="rect">
+            <a:avLst/>
+          </a:prstGeom>
+        </p:spPr>
+        <p:txBody>
+          <a:bodyPr anchorCtr="0" anchor="t" bIns="91425" lIns="91425" spcFirstLastPara="1" rIns="91425" wrap="square" tIns="91425">
+            <a:noAutofit/>
+          </a:bodyPr>
+          <a:lstStyle/>
+          <a:p>
+            <a:pPr indent="0" lvl="0" marL="0" rtl="0" algn="l">
+              <a:spcBef>
+                <a:spcPts val="0"/>
+              </a:spcBef>
+              <a:spcAft>
+                <a:spcPts val="0"/>
+              </a:spcAft>
+              <a:buNone/>
+            </a:pPr>
+            <a:r>
+              <a:t/>
+            </a:r>
+            <a:endParaRPr/>
+          </a:p>
+        </p:txBody>
+      </p:sp>
+    </p:spTree>
+  </p:cSld>
+  <p:clrMapOvr>
+    <a:masterClrMapping/>
+  </p:clrMapOvr>
+</p:notes>
+</file>
+
+<file path=ppt/notesSlides/notesSlide9.xml><?xml version="1.0" encoding="utf-8"?>
+<p:notes xmlns:a="http://schemas.openxmlformats.org/drawingml/2006/main" xmlns:r="http://schemas.openxmlformats.org/officeDocument/2006/relationships" xmlns:mc="http://schemas.openxmlformats.org/markup-compatibility/2006" xmlns:mv="urn:schemas-microsoft-com:mac:vml" xmlns:p="http://schemas.openxmlformats.org/presentationml/2006/main" xmlns:c="http://schemas.openxmlformats.org/drawingml/2006/chart" xmlns:dgm="http://schemas.openxmlformats.org/drawingml/2006/diagram" xmlns:o="urn:schemas-microsoft-com:office:office" xmlns:v="urn:schemas-microsoft-com:vml" xmlns:pvml="urn:schemas-microsoft-com:office:powerpoint" xmlns:com="http://schemas.openxmlformats.org/drawingml/2006/compatibility" xmlns:p14="http://schemas.microsoft.com/office/powerpoint/2010/main" xmlns:p15="http://schemas.microsoft.com/office/powerpoint/2012/main" xmlns:ahyp="http://schemas.microsoft.com/office/drawing/2018/hyperlinkcolor" showMasterPhAnim="0" showMasterSp="0">
+  <p:cSld>
+    <p:spTree>
+      <p:nvGrpSpPr>
+        <p:cNvPr id="99" name="Shape 99"/>
+        <p:cNvGrpSpPr/>
+        <p:nvPr/>
+      </p:nvGrpSpPr>
+      <p:grpSpPr>
+        <a:xfrm>
+          <a:off x="0" y="0"/>
+          <a:ext cx="0" cy="0"/>
+          <a:chOff x="0" y="0"/>
+          <a:chExt cx="0" cy="0"/>
+        </a:xfrm>
+      </p:grpSpPr>
+      <p:sp>
+        <p:nvSpPr>
+          <p:cNvPr id="100" name="Google Shape;100;g3aed4822521_0_0:notes"/>
+          <p:cNvSpPr/>
+          <p:nvPr>
+            <p:ph idx="2" type="sldImg"/>
+          </p:nvPr>
+        </p:nvSpPr>
+        <p:spPr>
+          <a:xfrm>
+            <a:off x="381300" y="685800"/>
+            <a:ext cx="6096000" cy="3429000"/>
+          </a:xfrm>
+          <a:custGeom>
+            <a:rect b="b" l="l" r="r" t="t"/>
+            <a:pathLst>
+              <a:path extrusionOk="0" h="120000" w="120000">
+                <a:moveTo>
+                  <a:pt x="0" y="0"/>
+                </a:moveTo>
+                <a:lnTo>
+                  <a:pt x="120000" y="0"/>
+                </a:lnTo>
+                <a:lnTo>
+                  <a:pt x="120000" y="120000"/>
+                </a:lnTo>
+                <a:lnTo>
+                  <a:pt x="0" y="120000"/>
+                </a:lnTo>
+                <a:close/>
+              </a:path>
+            </a:pathLst>
+          </a:custGeom>
+        </p:spPr>
+      </p:sp>
+      <p:sp>
+        <p:nvSpPr>
+          <p:cNvPr id="101" name="Google Shape;101;g3aed4822521_0_0:notes"/>
           <p:cNvSpPr txBox="1"/>
           <p:nvPr>
             <p:ph idx="1" type="body"/>
@@ -6461,6 +6761,211 @@
           <p:cNvPr id="109" name="Google Shape;109;p22"/>
           <p:cNvSpPr txBox="1"/>
           <p:nvPr>
+            <p:ph idx="1" type="body"/>
+          </p:nvPr>
+        </p:nvSpPr>
+        <p:spPr>
+          <a:xfrm>
+            <a:off x="311700" y="1152475"/>
+            <a:ext cx="8520600" cy="3416400"/>
+          </a:xfrm>
+          <a:prstGeom prst="rect">
+            <a:avLst/>
+          </a:prstGeom>
+        </p:spPr>
+        <p:txBody>
+          <a:bodyPr anchorCtr="0" anchor="t" bIns="91425" lIns="91425" spcFirstLastPara="1" rIns="91425" wrap="square" tIns="91425">
+            <a:normAutofit/>
+          </a:bodyPr>
+          <a:lstStyle/>
+          <a:p>
+            <a:pPr indent="0" lvl="0" marL="0" rtl="0" algn="l">
+              <a:spcBef>
+                <a:spcPts val="0"/>
+              </a:spcBef>
+              <a:spcAft>
+                <a:spcPts val="0"/>
+              </a:spcAft>
+              <a:buNone/>
+            </a:pPr>
+            <a:r>
+              <a:rPr lang="en"/>
+              <a:t>Pros:</a:t>
+            </a:r>
+            <a:endParaRPr/>
+          </a:p>
+          <a:p>
+            <a:pPr indent="-342900" lvl="0" marL="457200" rtl="0" algn="l">
+              <a:spcBef>
+                <a:spcPts val="1200"/>
+              </a:spcBef>
+              <a:spcAft>
+                <a:spcPts val="0"/>
+              </a:spcAft>
+              <a:buSzPts val="1800"/>
+              <a:buChar char="-"/>
+            </a:pPr>
+            <a:r>
+              <a:rPr lang="en"/>
+              <a:t>Simple - no need to add code for handling new data, invalidate the relevant cache keys and the app handles it</a:t>
+            </a:r>
+            <a:endParaRPr/>
+          </a:p>
+          <a:p>
+            <a:pPr indent="-342900" lvl="0" marL="457200" rtl="0" algn="l">
+              <a:spcBef>
+                <a:spcPts val="0"/>
+              </a:spcBef>
+              <a:spcAft>
+                <a:spcPts val="0"/>
+              </a:spcAft>
+              <a:buSzPts val="1800"/>
+              <a:buChar char="-"/>
+            </a:pPr>
+            <a:r>
+              <a:rPr lang="en"/>
+              <a:t>Data consistency - all relevant data is re-fetched so it’s sure to be up-to-date</a:t>
+            </a:r>
+            <a:endParaRPr/>
+          </a:p>
+          <a:p>
+            <a:pPr indent="0" lvl="0" marL="0" rtl="0" algn="l">
+              <a:spcBef>
+                <a:spcPts val="1200"/>
+              </a:spcBef>
+              <a:spcAft>
+                <a:spcPts val="0"/>
+              </a:spcAft>
+              <a:buNone/>
+            </a:pPr>
+            <a:r>
+              <a:rPr lang="en"/>
+              <a:t>Cons:</a:t>
+            </a:r>
+            <a:endParaRPr/>
+          </a:p>
+          <a:p>
+            <a:pPr indent="-342900" lvl="0" marL="457200" rtl="0" algn="l">
+              <a:spcBef>
+                <a:spcPts val="1200"/>
+              </a:spcBef>
+              <a:spcAft>
+                <a:spcPts val="0"/>
+              </a:spcAft>
+              <a:buSzPts val="1800"/>
+              <a:buChar char="-"/>
+            </a:pPr>
+            <a:r>
+              <a:rPr lang="en"/>
+              <a:t>Extra network requests to fetch data that can be computed</a:t>
+            </a:r>
+            <a:endParaRPr/>
+          </a:p>
+          <a:p>
+            <a:pPr indent="-342900" lvl="0" marL="457200" rtl="0" algn="l">
+              <a:spcBef>
+                <a:spcPts val="0"/>
+              </a:spcBef>
+              <a:spcAft>
+                <a:spcPts val="0"/>
+              </a:spcAft>
+              <a:buSzPts val="1800"/>
+              <a:buChar char="-"/>
+            </a:pPr>
+            <a:r>
+              <a:rPr lang="en"/>
+              <a:t>Small updates may trigger a big reload, which adds load to the backend</a:t>
+            </a:r>
+            <a:endParaRPr/>
+          </a:p>
+          <a:p>
+            <a:pPr indent="0" lvl="0" marL="457200" rtl="0" algn="l">
+              <a:spcBef>
+                <a:spcPts val="1200"/>
+              </a:spcBef>
+              <a:spcAft>
+                <a:spcPts val="1200"/>
+              </a:spcAft>
+              <a:buNone/>
+            </a:pPr>
+            <a:r>
+              <a:t/>
+            </a:r>
+            <a:endParaRPr/>
+          </a:p>
+        </p:txBody>
+      </p:sp>
+      <p:sp>
+        <p:nvSpPr>
+          <p:cNvPr id="110" name="Google Shape;110;p22"/>
+          <p:cNvSpPr txBox="1"/>
+          <p:nvPr>
+            <p:ph type="title"/>
+          </p:nvPr>
+        </p:nvSpPr>
+        <p:spPr>
+          <a:xfrm>
+            <a:off x="311700" y="445025"/>
+            <a:ext cx="8520600" cy="572700"/>
+          </a:xfrm>
+          <a:prstGeom prst="rect">
+            <a:avLst/>
+          </a:prstGeom>
+        </p:spPr>
+        <p:txBody>
+          <a:bodyPr anchorCtr="0" anchor="t" bIns="91425" lIns="91425" spcFirstLastPara="1" rIns="91425" wrap="square" tIns="91425">
+            <a:normAutofit/>
+          </a:bodyPr>
+          <a:lstStyle/>
+          <a:p>
+            <a:pPr indent="0" lvl="0" marL="0" rtl="0" algn="l">
+              <a:spcBef>
+                <a:spcPts val="0"/>
+              </a:spcBef>
+              <a:spcAft>
+                <a:spcPts val="0"/>
+              </a:spcAft>
+              <a:buSzPts val="990"/>
+              <a:buNone/>
+            </a:pPr>
+            <a:r>
+              <a:rPr lang="en" sz="2320"/>
+              <a:t>Trade-off: UI events - cache invalidation vs in-place updates</a:t>
+            </a:r>
+            <a:endParaRPr sz="2320"/>
+          </a:p>
+        </p:txBody>
+      </p:sp>
+    </p:spTree>
+  </p:cSld>
+  <p:clrMapOvr>
+    <a:masterClrMapping/>
+  </p:clrMapOvr>
+</p:sld>
+</file>
+
+<file path=ppt/slides/slide11.xml><?xml version="1.0" encoding="utf-8"?>
+<p:sld xmlns:a="http://schemas.openxmlformats.org/drawingml/2006/main" xmlns:r="http://schemas.openxmlformats.org/officeDocument/2006/relationships" xmlns:mc="http://schemas.openxmlformats.org/markup-compatibility/2006" xmlns:mv="urn:schemas-microsoft-com:mac:vml" xmlns:p="http://schemas.openxmlformats.org/presentationml/2006/main" xmlns:c="http://schemas.openxmlformats.org/drawingml/2006/chart" xmlns:dgm="http://schemas.openxmlformats.org/drawingml/2006/diagram" xmlns:o="urn:schemas-microsoft-com:office:office" xmlns:v="urn:schemas-microsoft-com:vml" xmlns:pvml="urn:schemas-microsoft-com:office:powerpoint" xmlns:com="http://schemas.openxmlformats.org/drawingml/2006/compatibility" xmlns:p14="http://schemas.microsoft.com/office/powerpoint/2010/main" xmlns:p15="http://schemas.microsoft.com/office/powerpoint/2012/main" xmlns:ahyp="http://schemas.microsoft.com/office/drawing/2018/hyperlinkcolor">
+  <p:cSld>
+    <p:spTree>
+      <p:nvGrpSpPr>
+        <p:cNvPr id="114" name="Shape 114"/>
+        <p:cNvGrpSpPr/>
+        <p:nvPr/>
+      </p:nvGrpSpPr>
+      <p:grpSpPr>
+        <a:xfrm>
+          <a:off x="0" y="0"/>
+          <a:ext cx="0" cy="0"/>
+          <a:chOff x="0" y="0"/>
+          <a:chExt cx="0" cy="0"/>
+        </a:xfrm>
+      </p:grpSpPr>
+      <p:sp>
+        <p:nvSpPr>
+          <p:cNvPr id="115" name="Google Shape;115;p23"/>
+          <p:cNvSpPr txBox="1"/>
+          <p:nvPr>
             <p:ph type="title"/>
           </p:nvPr>
         </p:nvSpPr>
@@ -6490,7 +6995,7 @@
             </a:pPr>
             <a:r>
               <a:rPr lang="en"/>
-              <a:t>Improvements / scaling options</a:t>
+              <a:t>Improvements </a:t>
             </a:r>
             <a:endParaRPr/>
           </a:p>
@@ -6498,7 +7003,7 @@
       </p:sp>
       <p:sp>
         <p:nvSpPr>
-          <p:cNvPr id="110" name="Google Shape;110;p22"/>
+          <p:cNvPr id="116" name="Google Shape;116;p23"/>
           <p:cNvSpPr txBox="1"/>
           <p:nvPr>
             <p:ph idx="1" type="body"/>
@@ -6548,7 +7053,152 @@
             </a:pPr>
             <a:r>
               <a:rPr lang="en"/>
-              <a:t>Split the application into 2 containers that can be further scaled horizontally - API and MessageConsumer</a:t>
+              <a:t>Use API clients generated from the OpenAPI spec for frontend and integration tests</a:t>
+            </a:r>
+            <a:endParaRPr/>
+          </a:p>
+          <a:p>
+            <a:pPr indent="0" lvl="0" marL="457200" rtl="0" algn="l">
+              <a:spcBef>
+                <a:spcPts val="1200"/>
+              </a:spcBef>
+              <a:spcAft>
+                <a:spcPts val="1200"/>
+              </a:spcAft>
+              <a:buNone/>
+            </a:pPr>
+            <a:r>
+              <a:t/>
+            </a:r>
+            <a:endParaRPr/>
+          </a:p>
+        </p:txBody>
+      </p:sp>
+    </p:spTree>
+  </p:cSld>
+  <p:clrMapOvr>
+    <a:masterClrMapping/>
+  </p:clrMapOvr>
+</p:sld>
+</file>
+
+<file path=ppt/slides/slide12.xml><?xml version="1.0" encoding="utf-8"?>
+<p:sld xmlns:a="http://schemas.openxmlformats.org/drawingml/2006/main" xmlns:r="http://schemas.openxmlformats.org/officeDocument/2006/relationships" xmlns:mc="http://schemas.openxmlformats.org/markup-compatibility/2006" xmlns:mv="urn:schemas-microsoft-com:mac:vml" xmlns:p="http://schemas.openxmlformats.org/presentationml/2006/main" xmlns:c="http://schemas.openxmlformats.org/drawingml/2006/chart" xmlns:dgm="http://schemas.openxmlformats.org/drawingml/2006/diagram" xmlns:o="urn:schemas-microsoft-com:office:office" xmlns:v="urn:schemas-microsoft-com:vml" xmlns:pvml="urn:schemas-microsoft-com:office:powerpoint" xmlns:com="http://schemas.openxmlformats.org/drawingml/2006/compatibility" xmlns:p14="http://schemas.microsoft.com/office/powerpoint/2010/main" xmlns:p15="http://schemas.microsoft.com/office/powerpoint/2012/main" xmlns:ahyp="http://schemas.microsoft.com/office/drawing/2018/hyperlinkcolor">
+  <p:cSld>
+    <p:spTree>
+      <p:nvGrpSpPr>
+        <p:cNvPr id="120" name="Shape 120"/>
+        <p:cNvGrpSpPr/>
+        <p:nvPr/>
+      </p:nvGrpSpPr>
+      <p:grpSpPr>
+        <a:xfrm>
+          <a:off x="0" y="0"/>
+          <a:ext cx="0" cy="0"/>
+          <a:chOff x="0" y="0"/>
+          <a:chExt cx="0" cy="0"/>
+        </a:xfrm>
+      </p:grpSpPr>
+      <p:sp>
+        <p:nvSpPr>
+          <p:cNvPr id="121" name="Google Shape;121;p24"/>
+          <p:cNvSpPr txBox="1"/>
+          <p:nvPr>
+            <p:ph type="title"/>
+          </p:nvPr>
+        </p:nvSpPr>
+        <p:spPr>
+          <a:xfrm>
+            <a:off x="311700" y="445025"/>
+            <a:ext cx="8520600" cy="572700"/>
+          </a:xfrm>
+          <a:prstGeom prst="rect">
+            <a:avLst/>
+          </a:prstGeom>
+        </p:spPr>
+        <p:txBody>
+          <a:bodyPr anchorCtr="0" anchor="t" bIns="91425" lIns="91425" spcFirstLastPara="1" rIns="91425" wrap="square" tIns="91425">
+            <a:normAutofit fontScale="90000"/>
+          </a:bodyPr>
+          <a:lstStyle/>
+          <a:p>
+            <a:pPr indent="0" lvl="0" marL="0" rtl="0" algn="l">
+              <a:spcBef>
+                <a:spcPts val="0"/>
+              </a:spcBef>
+              <a:spcAft>
+                <a:spcPts val="0"/>
+              </a:spcAft>
+              <a:buClr>
+                <a:schemeClr val="dk1"/>
+              </a:buClr>
+              <a:buSzPct val="39285"/>
+              <a:buFont typeface="Arial"/>
+              <a:buNone/>
+            </a:pPr>
+            <a:r>
+              <a:rPr lang="en"/>
+              <a:t>S</a:t>
+            </a:r>
+            <a:r>
+              <a:rPr lang="en"/>
+              <a:t>caling</a:t>
+            </a:r>
+            <a:endParaRPr/>
+          </a:p>
+          <a:p>
+            <a:pPr indent="0" lvl="0" marL="0" rtl="0" algn="l">
+              <a:spcBef>
+                <a:spcPts val="0"/>
+              </a:spcBef>
+              <a:spcAft>
+                <a:spcPts val="0"/>
+              </a:spcAft>
+              <a:buNone/>
+            </a:pPr>
+            <a:r>
+              <a:t/>
+            </a:r>
+            <a:endParaRPr/>
+          </a:p>
+        </p:txBody>
+      </p:sp>
+      <p:sp>
+        <p:nvSpPr>
+          <p:cNvPr id="122" name="Google Shape;122;p24"/>
+          <p:cNvSpPr txBox="1"/>
+          <p:nvPr>
+            <p:ph idx="1" type="body"/>
+          </p:nvPr>
+        </p:nvSpPr>
+        <p:spPr>
+          <a:xfrm>
+            <a:off x="311700" y="1152475"/>
+            <a:ext cx="8520600" cy="3416400"/>
+          </a:xfrm>
+          <a:prstGeom prst="rect">
+            <a:avLst/>
+          </a:prstGeom>
+        </p:spPr>
+        <p:txBody>
+          <a:bodyPr anchorCtr="0" anchor="t" bIns="91425" lIns="91425" spcFirstLastPara="1" rIns="91425" wrap="square" tIns="91425">
+            <a:normAutofit/>
+          </a:bodyPr>
+          <a:lstStyle/>
+          <a:p>
+            <a:pPr indent="-342900" lvl="0" marL="457200" rtl="0" algn="l">
+              <a:spcBef>
+                <a:spcPts val="0"/>
+              </a:spcBef>
+              <a:spcAft>
+                <a:spcPts val="0"/>
+              </a:spcAft>
+              <a:buSzPts val="1800"/>
+              <a:buChar char="-"/>
+            </a:pPr>
+            <a:r>
+              <a:rPr lang="en"/>
+              <a:t>Split the application into 2 processes that can be further scaled horizontally - API and MessageConsumer</a:t>
             </a:r>
             <a:endParaRPr/>
           </a:p>
@@ -6603,20 +7253,107 @@
             </a:r>
             <a:endParaRPr/>
           </a:p>
-          <a:p>
-            <a:pPr indent="-342900" lvl="0" marL="457200" rtl="0" algn="l">
-              <a:spcBef>
-                <a:spcPts val="0"/>
-              </a:spcBef>
-              <a:spcAft>
-                <a:spcPts val="0"/>
-              </a:spcAft>
-              <a:buSzPts val="1800"/>
-              <a:buChar char="-"/>
-            </a:pPr>
-            <a:r>
-              <a:rPr lang="en"/>
-              <a:t>Use API clients generated from the OpenAPI spec for frontend and integration tests</a:t>
+        </p:txBody>
+      </p:sp>
+    </p:spTree>
+  </p:cSld>
+  <p:clrMapOvr>
+    <a:masterClrMapping/>
+  </p:clrMapOvr>
+</p:sld>
+</file>
+
+<file path=ppt/slides/slide13.xml><?xml version="1.0" encoding="utf-8"?>
+<p:sld xmlns:a="http://schemas.openxmlformats.org/drawingml/2006/main" xmlns:r="http://schemas.openxmlformats.org/officeDocument/2006/relationships" xmlns:mc="http://schemas.openxmlformats.org/markup-compatibility/2006" xmlns:mv="urn:schemas-microsoft-com:mac:vml" xmlns:p="http://schemas.openxmlformats.org/presentationml/2006/main" xmlns:c="http://schemas.openxmlformats.org/drawingml/2006/chart" xmlns:dgm="http://schemas.openxmlformats.org/drawingml/2006/diagram" xmlns:o="urn:schemas-microsoft-com:office:office" xmlns:v="urn:schemas-microsoft-com:vml" xmlns:pvml="urn:schemas-microsoft-com:office:powerpoint" xmlns:com="http://schemas.openxmlformats.org/drawingml/2006/compatibility" xmlns:p14="http://schemas.microsoft.com/office/powerpoint/2010/main" xmlns:p15="http://schemas.microsoft.com/office/powerpoint/2012/main" xmlns:ahyp="http://schemas.microsoft.com/office/drawing/2018/hyperlinkcolor">
+  <p:cSld>
+    <p:spTree>
+      <p:nvGrpSpPr>
+        <p:cNvPr id="126" name="Shape 126"/>
+        <p:cNvGrpSpPr/>
+        <p:nvPr/>
+      </p:nvGrpSpPr>
+      <p:grpSpPr>
+        <a:xfrm>
+          <a:off x="0" y="0"/>
+          <a:ext cx="0" cy="0"/>
+          <a:chOff x="0" y="0"/>
+          <a:chExt cx="0" cy="0"/>
+        </a:xfrm>
+      </p:grpSpPr>
+      <p:sp>
+        <p:nvSpPr>
+          <p:cNvPr id="127" name="Google Shape;127;p25"/>
+          <p:cNvSpPr txBox="1"/>
+          <p:nvPr>
+            <p:ph type="title"/>
+          </p:nvPr>
+        </p:nvSpPr>
+        <p:spPr>
+          <a:xfrm>
+            <a:off x="311700" y="445025"/>
+            <a:ext cx="8520600" cy="572700"/>
+          </a:xfrm>
+          <a:prstGeom prst="rect">
+            <a:avLst/>
+          </a:prstGeom>
+        </p:spPr>
+        <p:txBody>
+          <a:bodyPr anchorCtr="0" anchor="t" bIns="91425" lIns="91425" spcFirstLastPara="1" rIns="91425" wrap="square" tIns="91425">
+            <a:normAutofit fontScale="90000"/>
+          </a:bodyPr>
+          <a:lstStyle/>
+          <a:p>
+            <a:pPr indent="0" lvl="0" marL="0" rtl="0" algn="l">
+              <a:spcBef>
+                <a:spcPts val="0"/>
+              </a:spcBef>
+              <a:spcAft>
+                <a:spcPts val="0"/>
+              </a:spcAft>
+              <a:buNone/>
+            </a:pPr>
+            <a:r>
+              <a:rPr lang="en"/>
+              <a:t>Thank you</a:t>
+            </a:r>
+            <a:endParaRPr/>
+          </a:p>
+        </p:txBody>
+      </p:sp>
+      <p:sp>
+        <p:nvSpPr>
+          <p:cNvPr id="128" name="Google Shape;128;p25"/>
+          <p:cNvSpPr txBox="1"/>
+          <p:nvPr>
+            <p:ph idx="1" type="body"/>
+          </p:nvPr>
+        </p:nvSpPr>
+        <p:spPr>
+          <a:xfrm>
+            <a:off x="311700" y="1152475"/>
+            <a:ext cx="8520600" cy="3416400"/>
+          </a:xfrm>
+          <a:prstGeom prst="rect">
+            <a:avLst/>
+          </a:prstGeom>
+        </p:spPr>
+        <p:txBody>
+          <a:bodyPr anchorCtr="0" anchor="t" bIns="91425" lIns="91425" spcFirstLastPara="1" rIns="91425" wrap="square" tIns="91425">
+            <a:normAutofit/>
+          </a:bodyPr>
+          <a:lstStyle/>
+          <a:p>
+            <a:pPr indent="0" lvl="0" marL="0" rtl="0" algn="l">
+              <a:spcBef>
+                <a:spcPts val="0"/>
+              </a:spcBef>
+              <a:spcAft>
+                <a:spcPts val="1200"/>
+              </a:spcAft>
+              <a:buNone/>
+            </a:pPr>
+            <a:r>
+              <a:t/>
             </a:r>
             <a:endParaRPr/>
           </a:p>
@@ -6681,7 +7418,7 @@
             </a:pPr>
             <a:r>
               <a:rPr lang="en"/>
-              <a:t>The problem</a:t>
+              <a:t>Agenda</a:t>
             </a:r>
             <a:endParaRPr/>
           </a:p>
@@ -6722,7 +7459,7 @@
             </a:pPr>
             <a:r>
               <a:rPr lang="en"/>
-              <a:t>No overview of the states of all equipment - states can only be seen by physically seeing each piece of equipment</a:t>
+              <a:t>Interpretation of the problem</a:t>
             </a:r>
             <a:endParaRPr/>
           </a:p>
@@ -6739,15 +7476,7 @@
             </a:pPr>
             <a:r>
               <a:rPr lang="en"/>
-              <a:t>Not possible to correlate orders scheduled for equipment </a:t>
-            </a:r>
-            <a:r>
-              <a:rPr lang="en"/>
-              <a:t>with </a:t>
-            </a:r>
-            <a:r>
-              <a:rPr lang="en"/>
-              <a:t>the current state of the equipment</a:t>
+              <a:t>The solution</a:t>
             </a:r>
             <a:endParaRPr/>
           </a:p>
@@ -6764,7 +7493,7 @@
             </a:pPr>
             <a:r>
               <a:rPr lang="en"/>
-              <a:t>Analog order scheduling to equipment (assumption)</a:t>
+              <a:t>Technologies</a:t>
             </a:r>
             <a:endParaRPr/>
           </a:p>
@@ -6781,22 +7510,58 @@
             </a:pPr>
             <a:r>
               <a:rPr lang="en"/>
-              <a:t>Analog resolution of orders (assumption)</a:t>
-            </a:r>
-            <a:endParaRPr/>
-          </a:p>
-          <a:p>
-            <a:pPr indent="0" lvl="0" marL="0" rtl="0" algn="l">
-              <a:spcBef>
-                <a:spcPts val="1200"/>
-              </a:spcBef>
-              <a:spcAft>
-                <a:spcPts val="1200"/>
-              </a:spcAft>
-              <a:buNone/>
-            </a:pPr>
-            <a:r>
-              <a:t/>
+              <a:t>Code architecture</a:t>
+            </a:r>
+            <a:endParaRPr/>
+          </a:p>
+          <a:p>
+            <a:pPr indent="-342900" lvl="0" marL="457200" rtl="0" algn="l">
+              <a:spcBef>
+                <a:spcPts val="0"/>
+              </a:spcBef>
+              <a:spcAft>
+                <a:spcPts val="0"/>
+              </a:spcAft>
+              <a:buSzPts val="1800"/>
+              <a:buChar char="-"/>
+            </a:pPr>
+            <a:r>
+              <a:rPr lang="en"/>
+              <a:t>2 trade-offs</a:t>
+            </a:r>
+            <a:endParaRPr/>
+          </a:p>
+          <a:p>
+            <a:pPr indent="-342900" lvl="0" marL="457200" rtl="0" algn="l">
+              <a:spcBef>
+                <a:spcPts val="0"/>
+              </a:spcBef>
+              <a:spcAft>
+                <a:spcPts val="0"/>
+              </a:spcAft>
+              <a:buSzPts val="1800"/>
+              <a:buChar char="-"/>
+            </a:pPr>
+            <a:r>
+              <a:rPr lang="en"/>
+              <a:t>Further improvements</a:t>
+            </a:r>
+            <a:endParaRPr/>
+          </a:p>
+          <a:p>
+            <a:pPr indent="-342900" lvl="0" marL="457200" rtl="0" algn="l">
+              <a:spcBef>
+                <a:spcPts val="0"/>
+              </a:spcBef>
+              <a:spcAft>
+                <a:spcPts val="0"/>
+              </a:spcAft>
+              <a:buSzPts val="1800"/>
+              <a:buChar char="-"/>
+            </a:pPr>
+            <a:r>
+              <a:rPr lang="en"/>
+              <a:t>Scaling</a:t>
             </a:r>
             <a:endParaRPr/>
           </a:p>
@@ -6861,7 +7626,7 @@
             </a:pPr>
             <a:r>
               <a:rPr lang="en"/>
-              <a:t>The solution</a:t>
+              <a:t>The problem</a:t>
             </a:r>
             <a:endParaRPr/>
           </a:p>
@@ -6870,6 +7635,186 @@
       <p:sp>
         <p:nvSpPr>
           <p:cNvPr id="67" name="Google Shape;67;p15"/>
+          <p:cNvSpPr txBox="1"/>
+          <p:nvPr>
+            <p:ph idx="1" type="body"/>
+          </p:nvPr>
+        </p:nvSpPr>
+        <p:spPr>
+          <a:xfrm>
+            <a:off x="311700" y="1152475"/>
+            <a:ext cx="8520600" cy="3416400"/>
+          </a:xfrm>
+          <a:prstGeom prst="rect">
+            <a:avLst/>
+          </a:prstGeom>
+        </p:spPr>
+        <p:txBody>
+          <a:bodyPr anchorCtr="0" anchor="t" bIns="91425" lIns="91425" spcFirstLastPara="1" rIns="91425" wrap="square" tIns="91425">
+            <a:normAutofit/>
+          </a:bodyPr>
+          <a:lstStyle/>
+          <a:p>
+            <a:pPr indent="-342900" lvl="0" marL="457200" rtl="0" algn="l">
+              <a:spcBef>
+                <a:spcPts val="0"/>
+              </a:spcBef>
+              <a:spcAft>
+                <a:spcPts val="0"/>
+              </a:spcAft>
+              <a:buSzPts val="1800"/>
+              <a:buChar char="-"/>
+            </a:pPr>
+            <a:r>
+              <a:rPr lang="en"/>
+              <a:t>No overview of the states of all equipment - states can only be seen by physically seeing a magnet on each piece of equipment</a:t>
+            </a:r>
+            <a:endParaRPr/>
+          </a:p>
+          <a:p>
+            <a:pPr indent="-342900" lvl="0" marL="457200" rtl="0" algn="l">
+              <a:spcBef>
+                <a:spcPts val="0"/>
+              </a:spcBef>
+              <a:spcAft>
+                <a:spcPts val="0"/>
+              </a:spcAft>
+              <a:buSzPts val="1800"/>
+              <a:buChar char="-"/>
+            </a:pPr>
+            <a:r>
+              <a:rPr lang="en"/>
+              <a:t>Not possible to correlate orders scheduled for equipment </a:t>
+            </a:r>
+            <a:r>
+              <a:rPr lang="en"/>
+              <a:t>with </a:t>
+            </a:r>
+            <a:r>
+              <a:rPr lang="en"/>
+              <a:t>the current state of the equipment</a:t>
+            </a:r>
+            <a:endParaRPr/>
+          </a:p>
+          <a:p>
+            <a:pPr indent="-342900" lvl="0" marL="457200" rtl="0" algn="l">
+              <a:spcBef>
+                <a:spcPts val="0"/>
+              </a:spcBef>
+              <a:spcAft>
+                <a:spcPts val="0"/>
+              </a:spcAft>
+              <a:buSzPts val="1800"/>
+              <a:buChar char="-"/>
+            </a:pPr>
+            <a:r>
+              <a:rPr lang="en"/>
+              <a:t>Analog order scheduling to equipment (assumption)</a:t>
+            </a:r>
+            <a:endParaRPr/>
+          </a:p>
+          <a:p>
+            <a:pPr indent="-342900" lvl="0" marL="457200" rtl="0" algn="l">
+              <a:spcBef>
+                <a:spcPts val="0"/>
+              </a:spcBef>
+              <a:spcAft>
+                <a:spcPts val="0"/>
+              </a:spcAft>
+              <a:buSzPts val="1800"/>
+              <a:buChar char="-"/>
+            </a:pPr>
+            <a:r>
+              <a:rPr lang="en"/>
+              <a:t>Analog resolution of orders (assumption)</a:t>
+            </a:r>
+            <a:endParaRPr/>
+          </a:p>
+          <a:p>
+            <a:pPr indent="0" lvl="0" marL="0" rtl="0" algn="l">
+              <a:spcBef>
+                <a:spcPts val="1200"/>
+              </a:spcBef>
+              <a:spcAft>
+                <a:spcPts val="1200"/>
+              </a:spcAft>
+              <a:buNone/>
+            </a:pPr>
+            <a:r>
+              <a:t/>
+            </a:r>
+            <a:endParaRPr/>
+          </a:p>
+        </p:txBody>
+      </p:sp>
+    </p:spTree>
+  </p:cSld>
+  <p:clrMapOvr>
+    <a:masterClrMapping/>
+  </p:clrMapOvr>
+</p:sld>
+</file>
+
+<file path=ppt/slides/slide4.xml><?xml version="1.0" encoding="utf-8"?>
+<p:sld xmlns:a="http://schemas.openxmlformats.org/drawingml/2006/main" xmlns:r="http://schemas.openxmlformats.org/officeDocument/2006/relationships" xmlns:mc="http://schemas.openxmlformats.org/markup-compatibility/2006" xmlns:mv="urn:schemas-microsoft-com:mac:vml" xmlns:p="http://schemas.openxmlformats.org/presentationml/2006/main" xmlns:c="http://schemas.openxmlformats.org/drawingml/2006/chart" xmlns:dgm="http://schemas.openxmlformats.org/drawingml/2006/diagram" xmlns:o="urn:schemas-microsoft-com:office:office" xmlns:v="urn:schemas-microsoft-com:vml" xmlns:pvml="urn:schemas-microsoft-com:office:powerpoint" xmlns:com="http://schemas.openxmlformats.org/drawingml/2006/compatibility" xmlns:p14="http://schemas.microsoft.com/office/powerpoint/2010/main" xmlns:p15="http://schemas.microsoft.com/office/powerpoint/2012/main" xmlns:ahyp="http://schemas.microsoft.com/office/drawing/2018/hyperlinkcolor">
+  <p:cSld>
+    <p:spTree>
+      <p:nvGrpSpPr>
+        <p:cNvPr id="71" name="Shape 71"/>
+        <p:cNvGrpSpPr/>
+        <p:nvPr/>
+      </p:nvGrpSpPr>
+      <p:grpSpPr>
+        <a:xfrm>
+          <a:off x="0" y="0"/>
+          <a:ext cx="0" cy="0"/>
+          <a:chOff x="0" y="0"/>
+          <a:chExt cx="0" cy="0"/>
+        </a:xfrm>
+      </p:grpSpPr>
+      <p:sp>
+        <p:nvSpPr>
+          <p:cNvPr id="72" name="Google Shape;72;p16"/>
+          <p:cNvSpPr txBox="1"/>
+          <p:nvPr>
+            <p:ph type="title"/>
+          </p:nvPr>
+        </p:nvSpPr>
+        <p:spPr>
+          <a:xfrm>
+            <a:off x="311700" y="445025"/>
+            <a:ext cx="8520600" cy="572700"/>
+          </a:xfrm>
+          <a:prstGeom prst="rect">
+            <a:avLst/>
+          </a:prstGeom>
+        </p:spPr>
+        <p:txBody>
+          <a:bodyPr anchorCtr="0" anchor="t" bIns="91425" lIns="91425" spcFirstLastPara="1" rIns="91425" wrap="square" tIns="91425">
+            <a:normAutofit fontScale="90000"/>
+          </a:bodyPr>
+          <a:lstStyle/>
+          <a:p>
+            <a:pPr indent="0" lvl="0" marL="0" rtl="0" algn="l">
+              <a:spcBef>
+                <a:spcPts val="0"/>
+              </a:spcBef>
+              <a:spcAft>
+                <a:spcPts val="0"/>
+              </a:spcAft>
+              <a:buNone/>
+            </a:pPr>
+            <a:r>
+              <a:rPr lang="en"/>
+              <a:t>The solution</a:t>
+            </a:r>
+            <a:endParaRPr/>
+          </a:p>
+        </p:txBody>
+      </p:sp>
+      <p:sp>
+        <p:nvSpPr>
+          <p:cNvPr id="73" name="Google Shape;73;p16"/>
           <p:cNvSpPr txBox="1"/>
           <p:nvPr>
             <p:ph idx="1" type="body"/>
@@ -6929,7 +7874,7 @@
             </a:pPr>
             <a:r>
               <a:rPr lang="en" sz="1500"/>
-              <a:t>Live updates to the client apps with SignalR websockets</a:t>
+              <a:t>REST API for fetching / modifying data</a:t>
             </a:r>
             <a:endParaRPr sz="1500"/>
           </a:p>
@@ -6949,7 +7894,7 @@
             </a:pPr>
             <a:r>
               <a:rPr lang="en" sz="1500"/>
-              <a:t>Event driven architecture using a mocked service bus</a:t>
+              <a:t>Live updates to the client apps with SignalR websockets</a:t>
             </a:r>
             <a:endParaRPr sz="1500"/>
           </a:p>
@@ -6969,7 +7914,7 @@
             </a:pPr>
             <a:r>
               <a:rPr lang="en" sz="1500"/>
-              <a:t>PostgreSQL database managed and accessed with EF</a:t>
+              <a:t>Event driven architecture</a:t>
             </a:r>
             <a:endParaRPr sz="1500"/>
           </a:p>
@@ -6989,7 +7934,7 @@
             </a:pPr>
             <a:r>
               <a:rPr lang="en" sz="1500"/>
-              <a:t>API level E2E testing</a:t>
+              <a:t>PostgreSQL database</a:t>
             </a:r>
             <a:endParaRPr sz="1500"/>
           </a:p>
@@ -7017,7 +7962,7 @@
       </p:sp>
       <p:pic>
         <p:nvPicPr>
-          <p:cNvPr id="68" name="Google Shape;68;p15"/>
+          <p:cNvPr id="74" name="Google Shape;74;p16"/>
           <p:cNvPicPr preferRelativeResize="0"/>
           <p:nvPr/>
         </p:nvPicPr>
@@ -7043,198 +7988,6 @@
           </a:ln>
         </p:spPr>
       </p:pic>
-    </p:spTree>
-  </p:cSld>
-  <p:clrMapOvr>
-    <a:masterClrMapping/>
-  </p:clrMapOvr>
-</p:sld>
-</file>
-
-<file path=ppt/slides/slide4.xml><?xml version="1.0" encoding="utf-8"?>
-<p:sld xmlns:a="http://schemas.openxmlformats.org/drawingml/2006/main" xmlns:r="http://schemas.openxmlformats.org/officeDocument/2006/relationships" xmlns:mc="http://schemas.openxmlformats.org/markup-compatibility/2006" xmlns:mv="urn:schemas-microsoft-com:mac:vml" xmlns:p="http://schemas.openxmlformats.org/presentationml/2006/main" xmlns:c="http://schemas.openxmlformats.org/drawingml/2006/chart" xmlns:dgm="http://schemas.openxmlformats.org/drawingml/2006/diagram" xmlns:o="urn:schemas-microsoft-com:office:office" xmlns:v="urn:schemas-microsoft-com:vml" xmlns:pvml="urn:schemas-microsoft-com:office:powerpoint" xmlns:com="http://schemas.openxmlformats.org/drawingml/2006/compatibility" xmlns:p14="http://schemas.microsoft.com/office/powerpoint/2010/main" xmlns:p15="http://schemas.microsoft.com/office/powerpoint/2012/main" xmlns:ahyp="http://schemas.microsoft.com/office/drawing/2018/hyperlinkcolor">
-  <p:cSld>
-    <p:spTree>
-      <p:nvGrpSpPr>
-        <p:cNvPr id="72" name="Shape 72"/>
-        <p:cNvGrpSpPr/>
-        <p:nvPr/>
-      </p:nvGrpSpPr>
-      <p:grpSpPr>
-        <a:xfrm>
-          <a:off x="0" y="0"/>
-          <a:ext cx="0" cy="0"/>
-          <a:chOff x="0" y="0"/>
-          <a:chExt cx="0" cy="0"/>
-        </a:xfrm>
-      </p:grpSpPr>
-      <p:sp>
-        <p:nvSpPr>
-          <p:cNvPr id="73" name="Google Shape;73;p16"/>
-          <p:cNvSpPr txBox="1"/>
-          <p:nvPr>
-            <p:ph type="title"/>
-          </p:nvPr>
-        </p:nvSpPr>
-        <p:spPr>
-          <a:xfrm>
-            <a:off x="311700" y="445025"/>
-            <a:ext cx="8520600" cy="572700"/>
-          </a:xfrm>
-          <a:prstGeom prst="rect">
-            <a:avLst/>
-          </a:prstGeom>
-        </p:spPr>
-        <p:txBody>
-          <a:bodyPr anchorCtr="0" anchor="t" bIns="91425" lIns="91425" spcFirstLastPara="1" rIns="91425" wrap="square" tIns="91425">
-            <a:normAutofit fontScale="90000"/>
-          </a:bodyPr>
-          <a:lstStyle/>
-          <a:p>
-            <a:pPr indent="0" lvl="0" marL="0" rtl="0" algn="l">
-              <a:spcBef>
-                <a:spcPts val="0"/>
-              </a:spcBef>
-              <a:spcAft>
-                <a:spcPts val="0"/>
-              </a:spcAft>
-              <a:buNone/>
-            </a:pPr>
-            <a:r>
-              <a:rPr lang="en"/>
-              <a:t>The solution - Supervisor view</a:t>
-            </a:r>
-            <a:endParaRPr/>
-          </a:p>
-          <a:p>
-            <a:pPr indent="0" lvl="0" marL="0" rtl="0" algn="l">
-              <a:spcBef>
-                <a:spcPts val="0"/>
-              </a:spcBef>
-              <a:spcAft>
-                <a:spcPts val="0"/>
-              </a:spcAft>
-              <a:buClr>
-                <a:schemeClr val="dk1"/>
-              </a:buClr>
-              <a:buSzPct val="39285"/>
-              <a:buFont typeface="Arial"/>
-              <a:buNone/>
-            </a:pPr>
-            <a:r>
-              <a:t/>
-            </a:r>
-            <a:endParaRPr/>
-          </a:p>
-          <a:p>
-            <a:pPr indent="0" lvl="0" marL="0" rtl="0" algn="l">
-              <a:spcBef>
-                <a:spcPts val="0"/>
-              </a:spcBef>
-              <a:spcAft>
-                <a:spcPts val="0"/>
-              </a:spcAft>
-              <a:buNone/>
-            </a:pPr>
-            <a:r>
-              <a:t/>
-            </a:r>
-            <a:endParaRPr/>
-          </a:p>
-        </p:txBody>
-      </p:sp>
-      <p:sp>
-        <p:nvSpPr>
-          <p:cNvPr id="74" name="Google Shape;74;p16"/>
-          <p:cNvSpPr txBox="1"/>
-          <p:nvPr>
-            <p:ph idx="1" type="body"/>
-          </p:nvPr>
-        </p:nvSpPr>
-        <p:spPr>
-          <a:xfrm>
-            <a:off x="311700" y="1152475"/>
-            <a:ext cx="8520600" cy="3416400"/>
-          </a:xfrm>
-          <a:prstGeom prst="rect">
-            <a:avLst/>
-          </a:prstGeom>
-        </p:spPr>
-        <p:txBody>
-          <a:bodyPr anchorCtr="0" anchor="t" bIns="91425" lIns="91425" spcFirstLastPara="1" rIns="91425" wrap="square" tIns="91425">
-            <a:normAutofit/>
-          </a:bodyPr>
-          <a:lstStyle/>
-          <a:p>
-            <a:pPr indent="-342900" lvl="0" marL="457200" rtl="0" algn="l">
-              <a:spcBef>
-                <a:spcPts val="0"/>
-              </a:spcBef>
-              <a:spcAft>
-                <a:spcPts val="0"/>
-              </a:spcAft>
-              <a:buSzPts val="1800"/>
-              <a:buChar char="-"/>
-            </a:pPr>
-            <a:r>
-              <a:rPr lang="en"/>
-              <a:t>See all equipment and what is each equipments state history</a:t>
-            </a:r>
-            <a:endParaRPr/>
-          </a:p>
-          <a:p>
-            <a:pPr indent="-342900" lvl="0" marL="457200" rtl="0" algn="l">
-              <a:spcBef>
-                <a:spcPts val="0"/>
-              </a:spcBef>
-              <a:spcAft>
-                <a:spcPts val="0"/>
-              </a:spcAft>
-              <a:buSzPts val="1800"/>
-              <a:buChar char="-"/>
-            </a:pPr>
-            <a:r>
-              <a:rPr lang="en"/>
-              <a:t>Schedule orders to equipment</a:t>
-            </a:r>
-            <a:endParaRPr/>
-          </a:p>
-          <a:p>
-            <a:pPr indent="-342900" lvl="0" marL="457200" rtl="0" algn="l">
-              <a:spcBef>
-                <a:spcPts val="0"/>
-              </a:spcBef>
-              <a:spcAft>
-                <a:spcPts val="0"/>
-              </a:spcAft>
-              <a:buSzPts val="1800"/>
-              <a:buChar char="-"/>
-            </a:pPr>
-            <a:r>
-              <a:rPr lang="en"/>
-              <a:t>See all scheduled orders and correlate them to equipment states</a:t>
-            </a:r>
-            <a:endParaRPr/>
-          </a:p>
-          <a:p>
-            <a:pPr indent="-342900" lvl="0" marL="457200" rtl="0" algn="l">
-              <a:spcBef>
-                <a:spcPts val="0"/>
-              </a:spcBef>
-              <a:spcAft>
-                <a:spcPts val="0"/>
-              </a:spcAft>
-              <a:buSzPts val="1800"/>
-              <a:buChar char="-"/>
-            </a:pPr>
-            <a:r>
-              <a:rPr lang="en"/>
-              <a:t>Live updates when equipment state is changed or order is completed</a:t>
-            </a:r>
-            <a:endParaRPr/>
-          </a:p>
-        </p:txBody>
-      </p:sp>
     </p:spTree>
   </p:cSld>
   <p:clrMapOvr>
@@ -7294,7 +8047,42 @@
             </a:pPr>
             <a:r>
               <a:rPr lang="en"/>
-              <a:t>The solution - Worker view</a:t>
+              <a:t>The solution - Supervisor view</a:t>
+            </a:r>
+            <a:endParaRPr/>
+          </a:p>
+          <a:p>
+            <a:pPr indent="0" lvl="0" marL="0" rtl="0" algn="l">
+              <a:spcBef>
+                <a:spcPts val="0"/>
+              </a:spcBef>
+              <a:spcAft>
+                <a:spcPts val="0"/>
+              </a:spcAft>
+              <a:buClr>
+                <a:schemeClr val="dk1"/>
+              </a:buClr>
+              <a:buSzPct val="39285"/>
+              <a:buFont typeface="Arial"/>
+              <a:buNone/>
+            </a:pPr>
+            <a:r>
+              <a:t/>
+            </a:r>
+            <a:endParaRPr/>
+          </a:p>
+          <a:p>
+            <a:pPr indent="0" lvl="0" marL="0" rtl="0" algn="l">
+              <a:spcBef>
+                <a:spcPts val="0"/>
+              </a:spcBef>
+              <a:spcAft>
+                <a:spcPts val="0"/>
+              </a:spcAft>
+              <a:buNone/>
+            </a:pPr>
+            <a:r>
+              <a:t/>
             </a:r>
             <a:endParaRPr/>
           </a:p>
@@ -7335,7 +8123,7 @@
             </a:pPr>
             <a:r>
               <a:rPr lang="en"/>
-              <a:t>An overview of all pieces of equipment and their states</a:t>
+              <a:t>See all equipment and history for each piece of equipment state</a:t>
             </a:r>
             <a:endParaRPr/>
           </a:p>
@@ -7352,7 +8140,7 @@
             </a:pPr>
             <a:r>
               <a:rPr lang="en"/>
-              <a:t>Live updates on changed equipment state</a:t>
+              <a:t>Schedule orders to equipment</a:t>
             </a:r>
             <a:endParaRPr/>
           </a:p>
@@ -7369,7 +8157,7 @@
             </a:pPr>
             <a:r>
               <a:rPr lang="en"/>
-              <a:t>A interface for changing the state of each equipment</a:t>
+              <a:t>See all scheduled orders and correlate them to equipment states</a:t>
             </a:r>
             <a:endParaRPr/>
           </a:p>
@@ -7386,41 +8174,41 @@
             </a:pPr>
             <a:r>
               <a:rPr lang="en"/>
-              <a:t>An interface to see the currently scheduled order with the possibility to mark it as done</a:t>
-            </a:r>
-            <a:endParaRPr/>
-          </a:p>
-          <a:p>
-            <a:pPr indent="-342900" lvl="0" marL="457200" rtl="0" algn="l">
-              <a:spcBef>
-                <a:spcPts val="0"/>
-              </a:spcBef>
-              <a:spcAft>
-                <a:spcPts val="0"/>
-              </a:spcAft>
-              <a:buSzPts val="1800"/>
+              <a:t>Live updates:</a:t>
+            </a:r>
+            <a:endParaRPr/>
+          </a:p>
+          <a:p>
+            <a:pPr indent="-317500" lvl="1" marL="914400" rtl="0" algn="l">
+              <a:spcBef>
+                <a:spcPts val="0"/>
+              </a:spcBef>
+              <a:spcAft>
+                <a:spcPts val="0"/>
+              </a:spcAft>
+              <a:buSzPts val="1400"/>
               <a:buChar char="-"/>
             </a:pPr>
             <a:r>
               <a:rPr lang="en"/>
-              <a:t>An interface to see the order backlog for each piece of equipment</a:t>
-            </a:r>
-            <a:endParaRPr/>
-          </a:p>
-          <a:p>
-            <a:pPr indent="-342900" lvl="0" marL="457200" rtl="0" algn="l">
-              <a:spcBef>
-                <a:spcPts val="0"/>
-              </a:spcBef>
-              <a:spcAft>
-                <a:spcPts val="0"/>
-              </a:spcAft>
-              <a:buSzPts val="1800"/>
+              <a:t>equipment state is changed </a:t>
+            </a:r>
+            <a:endParaRPr/>
+          </a:p>
+          <a:p>
+            <a:pPr indent="-317500" lvl="1" marL="914400" rtl="0" algn="l">
+              <a:spcBef>
+                <a:spcPts val="0"/>
+              </a:spcBef>
+              <a:spcAft>
+                <a:spcPts val="0"/>
+              </a:spcAft>
+              <a:buSzPts val="1400"/>
               <a:buChar char="-"/>
             </a:pPr>
             <a:r>
               <a:rPr lang="en"/>
-              <a:t>Live updates for newly created orders</a:t>
+              <a:t>order is completed</a:t>
             </a:r>
             <a:endParaRPr/>
           </a:p>
@@ -7485,7 +8273,7 @@
             </a:pPr>
             <a:r>
               <a:rPr lang="en"/>
-              <a:t>Technologies</a:t>
+              <a:t>The solution - Worker view</a:t>
             </a:r>
             <a:endParaRPr/>
           </a:p>
@@ -7526,7 +8314,75 @@
             </a:pPr>
             <a:r>
               <a:rPr lang="en"/>
-              <a:t>Entity Framework</a:t>
+              <a:t>An overview of all pieces of equipment and their states</a:t>
+            </a:r>
+            <a:endParaRPr/>
+          </a:p>
+          <a:p>
+            <a:pPr indent="-342900" lvl="0" marL="457200" rtl="0" algn="l">
+              <a:spcBef>
+                <a:spcPts val="0"/>
+              </a:spcBef>
+              <a:spcAft>
+                <a:spcPts val="0"/>
+              </a:spcAft>
+              <a:buSzPts val="1800"/>
+              <a:buChar char="-"/>
+            </a:pPr>
+            <a:r>
+              <a:rPr lang="en"/>
+              <a:t>A interface for changing the state of each equipment</a:t>
+            </a:r>
+            <a:endParaRPr/>
+          </a:p>
+          <a:p>
+            <a:pPr indent="-342900" lvl="0" marL="457200" rtl="0" algn="l">
+              <a:spcBef>
+                <a:spcPts val="0"/>
+              </a:spcBef>
+              <a:spcAft>
+                <a:spcPts val="0"/>
+              </a:spcAft>
+              <a:buSzPts val="1800"/>
+              <a:buChar char="-"/>
+            </a:pPr>
+            <a:r>
+              <a:rPr lang="en"/>
+              <a:t>An interface to see the currently scheduled order with the possibility to mark it as done</a:t>
+            </a:r>
+            <a:endParaRPr/>
+          </a:p>
+          <a:p>
+            <a:pPr indent="-342900" lvl="0" marL="457200" rtl="0" algn="l">
+              <a:spcBef>
+                <a:spcPts val="0"/>
+              </a:spcBef>
+              <a:spcAft>
+                <a:spcPts val="0"/>
+              </a:spcAft>
+              <a:buSzPts val="1800"/>
+              <a:buChar char="-"/>
+            </a:pPr>
+            <a:r>
+              <a:rPr lang="en"/>
+              <a:t>An interface to see the order backlog for each piece of equipment</a:t>
+            </a:r>
+            <a:endParaRPr/>
+          </a:p>
+          <a:p>
+            <a:pPr indent="-342900" lvl="0" marL="457200" rtl="0" algn="l">
+              <a:spcBef>
+                <a:spcPts val="0"/>
+              </a:spcBef>
+              <a:spcAft>
+                <a:spcPts val="0"/>
+              </a:spcAft>
+              <a:buSzPts val="1800"/>
+              <a:buChar char="-"/>
+            </a:pPr>
+            <a:r>
+              <a:rPr lang="en"/>
+              <a:t>Live updates on:</a:t>
             </a:r>
             <a:endParaRPr/>
           </a:p>
@@ -7543,7 +8399,7 @@
             </a:pPr>
             <a:r>
               <a:rPr lang="en"/>
-              <a:t>Strongly typed queries</a:t>
+              <a:t>Equipment state changes</a:t>
             </a:r>
             <a:endParaRPr/>
           </a:p>
@@ -7560,126 +8416,7 @@
             </a:pPr>
             <a:r>
               <a:rPr lang="en"/>
-              <a:t>Unit of Work pattern</a:t>
-            </a:r>
-            <a:endParaRPr/>
-          </a:p>
-          <a:p>
-            <a:pPr indent="-317500" lvl="1" marL="914400" rtl="0" algn="l">
-              <a:spcBef>
-                <a:spcPts val="0"/>
-              </a:spcBef>
-              <a:spcAft>
-                <a:spcPts val="0"/>
-              </a:spcAft>
-              <a:buSzPts val="1400"/>
-              <a:buChar char="-"/>
-            </a:pPr>
-            <a:r>
-              <a:rPr lang="en"/>
-              <a:t>Code-first database schema</a:t>
-            </a:r>
-            <a:endParaRPr/>
-          </a:p>
-          <a:p>
-            <a:pPr indent="-317500" lvl="1" marL="914400" rtl="0" algn="l">
-              <a:spcBef>
-                <a:spcPts val="0"/>
-              </a:spcBef>
-              <a:spcAft>
-                <a:spcPts val="0"/>
-              </a:spcAft>
-              <a:buSzPts val="1400"/>
-              <a:buChar char="-"/>
-            </a:pPr>
-            <a:r>
-              <a:rPr lang="en"/>
-              <a:t>Migration management</a:t>
-            </a:r>
-            <a:endParaRPr/>
-          </a:p>
-          <a:p>
-            <a:pPr indent="-317500" lvl="1" marL="914400" rtl="0" algn="l">
-              <a:spcBef>
-                <a:spcPts val="0"/>
-              </a:spcBef>
-              <a:spcAft>
-                <a:spcPts val="0"/>
-              </a:spcAft>
-              <a:buSzPts val="1400"/>
-              <a:buChar char="-"/>
-            </a:pPr>
-            <a:r>
-              <a:rPr lang="en"/>
-              <a:t>Interceptor support for cross-cutting concerns, e.g.:</a:t>
-            </a:r>
-            <a:endParaRPr/>
-          </a:p>
-          <a:p>
-            <a:pPr indent="-317500" lvl="2" marL="1371600" rtl="0" algn="l">
-              <a:spcBef>
-                <a:spcPts val="0"/>
-              </a:spcBef>
-              <a:spcAft>
-                <a:spcPts val="0"/>
-              </a:spcAft>
-              <a:buSzPts val="1400"/>
-              <a:buChar char="-"/>
-            </a:pPr>
-            <a:r>
-              <a:rPr lang="en"/>
-              <a:t>Populating timestamp, current user properties</a:t>
-            </a:r>
-            <a:endParaRPr/>
-          </a:p>
-          <a:p>
-            <a:pPr indent="-317500" lvl="2" marL="1371600" rtl="0" algn="l">
-              <a:spcBef>
-                <a:spcPts val="0"/>
-              </a:spcBef>
-              <a:spcAft>
-                <a:spcPts val="0"/>
-              </a:spcAft>
-              <a:buSzPts val="1400"/>
-              <a:buChar char="-"/>
-            </a:pPr>
-            <a:r>
-              <a:rPr lang="en"/>
-              <a:t>Automatically filtering out soft-deleted rows</a:t>
-            </a:r>
-            <a:endParaRPr/>
-          </a:p>
-          <a:p>
-            <a:pPr indent="-342900" lvl="0" marL="457200" rtl="0" algn="l">
-              <a:spcBef>
-                <a:spcPts val="0"/>
-              </a:spcBef>
-              <a:spcAft>
-                <a:spcPts val="0"/>
-              </a:spcAft>
-              <a:buSzPts val="1800"/>
-              <a:buChar char="-"/>
-            </a:pPr>
-            <a:r>
-              <a:rPr lang="en"/>
-              <a:t>SignalR - publishing events to clients</a:t>
-            </a:r>
-            <a:endParaRPr/>
-          </a:p>
-          <a:p>
-            <a:pPr indent="-342900" lvl="0" marL="457200" rtl="0" algn="l">
-              <a:spcBef>
-                <a:spcPts val="0"/>
-              </a:spcBef>
-              <a:spcAft>
-                <a:spcPts val="0"/>
-              </a:spcAft>
-              <a:buSzPts val="1800"/>
-              <a:buChar char="-"/>
-            </a:pPr>
-            <a:r>
-              <a:rPr lang="en"/>
-              <a:t>MSTest + Testcontainers for API integration testing</a:t>
+              <a:t>Newly created orders</a:t>
             </a:r>
             <a:endParaRPr/>
           </a:p>
@@ -7744,7 +8481,7 @@
             </a:pPr>
             <a:r>
               <a:rPr lang="en"/>
-              <a:t>Code architecture</a:t>
+              <a:t>Technologies</a:t>
             </a:r>
             <a:endParaRPr/>
           </a:p>
@@ -7785,7 +8522,7 @@
             </a:pPr>
             <a:r>
               <a:rPr lang="en"/>
-              <a:t>CQRS - split queries and commands in code</a:t>
+              <a:t>.NET10 backend</a:t>
             </a:r>
             <a:endParaRPr/>
           </a:p>
@@ -7802,12 +8539,12 @@
             </a:pPr>
             <a:r>
               <a:rPr lang="en"/>
-              <a:t>Code organization</a:t>
-            </a:r>
-            <a:endParaRPr/>
-          </a:p>
-          <a:p>
-            <a:pPr indent="-317500" lvl="1" marL="914400" rtl="0" algn="l">
+              <a:t>Entity Framework</a:t>
+            </a:r>
+            <a:endParaRPr/>
+          </a:p>
+          <a:p>
+            <a:pPr indent="-317500" lvl="2" marL="1371600" rtl="0" algn="l">
               <a:spcBef>
                 <a:spcPts val="0"/>
               </a:spcBef>
@@ -7819,12 +8556,12 @@
             </a:pPr>
             <a:r>
               <a:rPr lang="en"/>
-              <a:t>Small handlers</a:t>
-            </a:r>
-            <a:endParaRPr/>
-          </a:p>
-          <a:p>
-            <a:pPr indent="-317500" lvl="1" marL="914400" rtl="0" algn="l">
+              <a:t>Strongly typed queries</a:t>
+            </a:r>
+            <a:endParaRPr/>
+          </a:p>
+          <a:p>
+            <a:pPr indent="-317500" lvl="2" marL="1371600" rtl="0" algn="l">
               <a:spcBef>
                 <a:spcPts val="0"/>
               </a:spcBef>
@@ -7836,12 +8573,12 @@
             </a:pPr>
             <a:r>
               <a:rPr lang="en"/>
-              <a:t>Clear intent</a:t>
-            </a:r>
-            <a:endParaRPr/>
-          </a:p>
-          <a:p>
-            <a:pPr indent="-317500" lvl="1" marL="914400" rtl="0" algn="l">
+              <a:t>Unit of Work pattern</a:t>
+            </a:r>
+            <a:endParaRPr/>
+          </a:p>
+          <a:p>
+            <a:pPr indent="-317500" lvl="2" marL="1371600" rtl="0" algn="l">
               <a:spcBef>
                 <a:spcPts val="0"/>
               </a:spcBef>
@@ -7853,15 +8590,109 @@
             </a:pPr>
             <a:r>
               <a:rPr lang="en"/>
-              <a:t>Can be used for scaling, e.g. replacing reads to read from a </a:t>
-            </a:r>
-            <a:r>
-              <a:rPr lang="en"/>
-              <a:t>database </a:t>
-            </a:r>
-            <a:r>
-              <a:rPr lang="en"/>
-              <a:t>read replica</a:t>
+              <a:t>Code-first database schema</a:t>
+            </a:r>
+            <a:endParaRPr/>
+          </a:p>
+          <a:p>
+            <a:pPr indent="-317500" lvl="2" marL="1371600" rtl="0" algn="l">
+              <a:spcBef>
+                <a:spcPts val="0"/>
+              </a:spcBef>
+              <a:spcAft>
+                <a:spcPts val="0"/>
+              </a:spcAft>
+              <a:buSzPts val="1400"/>
+              <a:buChar char="-"/>
+            </a:pPr>
+            <a:r>
+              <a:rPr lang="en"/>
+              <a:t>Migration management</a:t>
+            </a:r>
+            <a:endParaRPr/>
+          </a:p>
+          <a:p>
+            <a:pPr indent="-317500" lvl="2" marL="1371600" rtl="0" algn="l">
+              <a:spcBef>
+                <a:spcPts val="0"/>
+              </a:spcBef>
+              <a:spcAft>
+                <a:spcPts val="0"/>
+              </a:spcAft>
+              <a:buSzPts val="1400"/>
+              <a:buChar char="-"/>
+            </a:pPr>
+            <a:r>
+              <a:rPr lang="en"/>
+              <a:t>Interceptor support for cross-cutting concerns, e.g.:</a:t>
+            </a:r>
+            <a:endParaRPr/>
+          </a:p>
+          <a:p>
+            <a:pPr indent="-317500" lvl="3" marL="1828800" rtl="0" algn="l">
+              <a:spcBef>
+                <a:spcPts val="0"/>
+              </a:spcBef>
+              <a:spcAft>
+                <a:spcPts val="0"/>
+              </a:spcAft>
+              <a:buSzPts val="1400"/>
+              <a:buChar char="-"/>
+            </a:pPr>
+            <a:r>
+              <a:rPr lang="en"/>
+              <a:t>Populating timestamps on modified entities</a:t>
+            </a:r>
+            <a:endParaRPr/>
+          </a:p>
+          <a:p>
+            <a:pPr indent="-317500" lvl="3" marL="1828800" rtl="0" algn="l">
+              <a:spcBef>
+                <a:spcPts val="0"/>
+              </a:spcBef>
+              <a:spcAft>
+                <a:spcPts val="0"/>
+              </a:spcAft>
+              <a:buSzPts val="1400"/>
+              <a:buChar char="-"/>
+            </a:pPr>
+            <a:r>
+              <a:rPr lang="en"/>
+              <a:t>Automatically filtering out soft-deleted rows</a:t>
+            </a:r>
+            <a:endParaRPr/>
+          </a:p>
+          <a:p>
+            <a:pPr indent="-317500" lvl="1" marL="914400" rtl="0" algn="l">
+              <a:spcBef>
+                <a:spcPts val="0"/>
+              </a:spcBef>
+              <a:spcAft>
+                <a:spcPts val="0"/>
+              </a:spcAft>
+              <a:buSzPts val="1400"/>
+              <a:buChar char="-"/>
+            </a:pPr>
+            <a:r>
+              <a:rPr lang="en"/>
+              <a:t>SignalR - publishing events to clients</a:t>
+            </a:r>
+            <a:endParaRPr/>
+          </a:p>
+          <a:p>
+            <a:pPr indent="-317500" lvl="1" marL="914400" rtl="0" algn="l">
+              <a:spcBef>
+                <a:spcPts val="0"/>
+              </a:spcBef>
+              <a:spcAft>
+                <a:spcPts val="0"/>
+              </a:spcAft>
+              <a:buSzPts val="1400"/>
+              <a:buChar char="-"/>
+            </a:pPr>
+            <a:r>
+              <a:rPr lang="en"/>
+              <a:t>MSTest + Testcontainers for API integration testing</a:t>
             </a:r>
             <a:endParaRPr/>
           </a:p>
@@ -7878,109 +8709,7 @@
             </a:pPr>
             <a:r>
               <a:rPr lang="en"/>
-              <a:t>Vertical Slice Architecture</a:t>
-            </a:r>
-            <a:endParaRPr/>
-          </a:p>
-          <a:p>
-            <a:pPr indent="-317500" lvl="1" marL="914400" rtl="0" algn="l">
-              <a:spcBef>
-                <a:spcPts val="0"/>
-              </a:spcBef>
-              <a:spcAft>
-                <a:spcPts val="0"/>
-              </a:spcAft>
-              <a:buSzPts val="1400"/>
-              <a:buChar char="-"/>
-            </a:pPr>
-            <a:r>
-              <a:rPr lang="en"/>
-              <a:t>Organize code by feature</a:t>
-            </a:r>
-            <a:endParaRPr/>
-          </a:p>
-          <a:p>
-            <a:pPr indent="-317500" lvl="1" marL="914400" rtl="0" algn="l">
-              <a:spcBef>
-                <a:spcPts val="0"/>
-              </a:spcBef>
-              <a:spcAft>
-                <a:spcPts val="0"/>
-              </a:spcAft>
-              <a:buSzPts val="1400"/>
-              <a:buChar char="-"/>
-            </a:pPr>
-            <a:r>
-              <a:rPr lang="en"/>
-              <a:t>Each feature contains E2E code completing it, making it:</a:t>
-            </a:r>
-            <a:endParaRPr/>
-          </a:p>
-          <a:p>
-            <a:pPr indent="-317500" lvl="2" marL="1371600" rtl="0" algn="l">
-              <a:spcBef>
-                <a:spcPts val="0"/>
-              </a:spcBef>
-              <a:spcAft>
-                <a:spcPts val="0"/>
-              </a:spcAft>
-              <a:buSzPts val="1400"/>
-              <a:buChar char="-"/>
-            </a:pPr>
-            <a:r>
-              <a:rPr lang="en"/>
-              <a:t>highly cohesive</a:t>
-            </a:r>
-            <a:endParaRPr/>
-          </a:p>
-          <a:p>
-            <a:pPr indent="-317500" lvl="2" marL="1371600" rtl="0" algn="l">
-              <a:spcBef>
-                <a:spcPts val="0"/>
-              </a:spcBef>
-              <a:spcAft>
-                <a:spcPts val="0"/>
-              </a:spcAft>
-              <a:buSzPts val="1400"/>
-              <a:buChar char="-"/>
-            </a:pPr>
-            <a:r>
-              <a:rPr lang="en"/>
-              <a:t>lowly coupled</a:t>
-            </a:r>
-            <a:endParaRPr/>
-          </a:p>
-          <a:p>
-            <a:pPr indent="-317500" lvl="2" marL="1371600" rtl="0" algn="l">
-              <a:spcBef>
-                <a:spcPts val="0"/>
-              </a:spcBef>
-              <a:spcAft>
-                <a:spcPts val="0"/>
-              </a:spcAft>
-              <a:buSzPts val="1400"/>
-              <a:buChar char="-"/>
-            </a:pPr>
-            <a:r>
-              <a:rPr lang="en"/>
-              <a:t>less complex</a:t>
-            </a:r>
-            <a:endParaRPr/>
-          </a:p>
-          <a:p>
-            <a:pPr indent="-317500" lvl="2" marL="1371600" rtl="0" algn="l">
-              <a:spcBef>
-                <a:spcPts val="0"/>
-              </a:spcBef>
-              <a:spcAft>
-                <a:spcPts val="0"/>
-              </a:spcAft>
-              <a:buSzPts val="1400"/>
-              <a:buChar char="-"/>
-            </a:pPr>
-            <a:r>
-              <a:rPr lang="en"/>
-              <a:t>Minimal boilerplate</a:t>
+              <a:t>react/typescript frontend</a:t>
             </a:r>
             <a:endParaRPr/>
           </a:p>
@@ -8045,11 +8774,7 @@
             </a:pPr>
             <a:r>
               <a:rPr lang="en"/>
-              <a:t>Trade</a:t>
-            </a:r>
-            <a:r>
-              <a:rPr lang="en"/>
-              <a:t>-off: Storage of equipment states</a:t>
+              <a:t>Code architecture</a:t>
             </a:r>
             <a:endParaRPr/>
           </a:p>
@@ -8074,227 +8799,218 @@
         </p:spPr>
         <p:txBody>
           <a:bodyPr anchorCtr="0" anchor="t" bIns="91425" lIns="91425" spcFirstLastPara="1" rIns="91425" wrap="square" tIns="91425">
-            <a:normAutofit fontScale="85000" lnSpcReduction="20000"/>
+            <a:normAutofit/>
           </a:bodyPr>
           <a:lstStyle/>
           <a:p>
-            <a:pPr indent="-325755" lvl="0" marL="457200" rtl="0" algn="l">
-              <a:spcBef>
-                <a:spcPts val="0"/>
-              </a:spcBef>
-              <a:spcAft>
-                <a:spcPts val="0"/>
-              </a:spcAft>
-              <a:buSzPct val="100000"/>
-              <a:buAutoNum type="arabicPeriod"/>
-            </a:pPr>
-            <a:r>
-              <a:rPr lang="en"/>
-              <a:t>Log of states (Id, EquipmentId, State, Timestamp) with a FK on EquipmentId and DESC index on timestamp</a:t>
-            </a:r>
-            <a:endParaRPr/>
-          </a:p>
-          <a:p>
-            <a:pPr indent="-325755" lvl="0" marL="914400" rtl="0" algn="l">
-              <a:spcBef>
-                <a:spcPts val="0"/>
-              </a:spcBef>
-              <a:spcAft>
-                <a:spcPts val="0"/>
-              </a:spcAft>
-              <a:buSzPct val="100000"/>
+            <a:pPr indent="-342900" lvl="0" marL="457200" rtl="0" algn="l">
+              <a:spcBef>
+                <a:spcPts val="0"/>
+              </a:spcBef>
+              <a:spcAft>
+                <a:spcPts val="0"/>
+              </a:spcAft>
+              <a:buSzPts val="1800"/>
               <a:buChar char="-"/>
             </a:pPr>
             <a:r>
               <a:rPr lang="en"/>
-              <a:t>Pro - light inserts</a:t>
-            </a:r>
-            <a:endParaRPr/>
-          </a:p>
-          <a:p>
-            <a:pPr indent="-325755" lvl="0" marL="914400" rtl="0" algn="l">
-              <a:spcBef>
-                <a:spcPts val="0"/>
-              </a:spcBef>
-              <a:spcAft>
-                <a:spcPts val="0"/>
-              </a:spcAft>
-              <a:buSzPct val="100000"/>
+              <a:t>Command Query Separation - split queries and commands in code</a:t>
+            </a:r>
+            <a:endParaRPr/>
+          </a:p>
+          <a:p>
+            <a:pPr indent="-317500" lvl="1" marL="914400" rtl="0" algn="l">
+              <a:spcBef>
+                <a:spcPts val="0"/>
+              </a:spcBef>
+              <a:spcAft>
+                <a:spcPts val="0"/>
+              </a:spcAft>
+              <a:buSzPts val="1400"/>
               <a:buChar char="-"/>
             </a:pPr>
             <a:r>
               <a:rPr lang="en"/>
-              <a:t>Con - current state has to be computed on each read, querying is harder</a:t>
-            </a:r>
-            <a:endParaRPr/>
-          </a:p>
-          <a:p>
-            <a:pPr indent="-325755" lvl="0" marL="457200" rtl="0" algn="l">
-              <a:spcBef>
-                <a:spcPts val="0"/>
-              </a:spcBef>
-              <a:spcAft>
-                <a:spcPts val="0"/>
-              </a:spcAft>
-              <a:buSzPct val="100000"/>
-              <a:buAutoNum type="arabicPeriod"/>
-            </a:pPr>
-            <a:r>
-              <a:rPr lang="en"/>
-              <a:t>Log of states + store a FK reference to the current state on Equipment</a:t>
-            </a:r>
-            <a:endParaRPr/>
-          </a:p>
-          <a:p>
-            <a:pPr indent="-325755" lvl="0" marL="914400" rtl="0" algn="l">
-              <a:spcBef>
-                <a:spcPts val="0"/>
-              </a:spcBef>
-              <a:spcAft>
-                <a:spcPts val="0"/>
-              </a:spcAft>
-              <a:buSzPct val="100000"/>
+              <a:t>Code organization</a:t>
+            </a:r>
+            <a:endParaRPr/>
+          </a:p>
+          <a:p>
+            <a:pPr indent="-317500" lvl="1" marL="914400" rtl="0" algn="l">
+              <a:spcBef>
+                <a:spcPts val="0"/>
+              </a:spcBef>
+              <a:spcAft>
+                <a:spcPts val="0"/>
+              </a:spcAft>
+              <a:buSzPts val="1400"/>
               <a:buChar char="-"/>
             </a:pPr>
             <a:r>
               <a:rPr lang="en"/>
-              <a:t>Pro - light and simple query</a:t>
-            </a:r>
-            <a:endParaRPr/>
-          </a:p>
-          <a:p>
-            <a:pPr indent="-325755" lvl="0" marL="914400" rtl="0" algn="l">
-              <a:spcBef>
-                <a:spcPts val="0"/>
-              </a:spcBef>
-              <a:spcAft>
-                <a:spcPts val="0"/>
-              </a:spcAft>
-              <a:buSzPct val="100000"/>
+              <a:t>Small handlers</a:t>
+            </a:r>
+            <a:endParaRPr/>
+          </a:p>
+          <a:p>
+            <a:pPr indent="-317500" lvl="1" marL="914400" rtl="0" algn="l">
+              <a:spcBef>
+                <a:spcPts val="0"/>
+              </a:spcBef>
+              <a:spcAft>
+                <a:spcPts val="0"/>
+              </a:spcAft>
+              <a:buSzPts val="1400"/>
               <a:buChar char="-"/>
             </a:pPr>
             <a:r>
               <a:rPr lang="en"/>
-              <a:t>Con - have to write to 2 tables on state insert</a:t>
-            </a:r>
-            <a:endParaRPr/>
-          </a:p>
-          <a:p>
-            <a:pPr indent="-325755" lvl="0" marL="914400" rtl="0" algn="l">
-              <a:spcBef>
-                <a:spcPts val="0"/>
-              </a:spcBef>
-              <a:spcAft>
-                <a:spcPts val="0"/>
-              </a:spcAft>
-              <a:buSzPct val="100000"/>
+              <a:t>Clear intent</a:t>
+            </a:r>
+            <a:endParaRPr/>
+          </a:p>
+          <a:p>
+            <a:pPr indent="-317500" lvl="1" marL="914400" rtl="0" algn="l">
+              <a:spcBef>
+                <a:spcPts val="0"/>
+              </a:spcBef>
+              <a:spcAft>
+                <a:spcPts val="0"/>
+              </a:spcAft>
+              <a:buSzPts val="1400"/>
               <a:buChar char="-"/>
             </a:pPr>
             <a:r>
               <a:rPr lang="en"/>
-              <a:t>Con - inserting a circular reference</a:t>
-            </a:r>
-            <a:endParaRPr/>
-          </a:p>
-          <a:p>
-            <a:pPr indent="-325755" lvl="0" marL="457200" rtl="0" algn="l">
-              <a:spcBef>
-                <a:spcPts val="0"/>
-              </a:spcBef>
-              <a:spcAft>
-                <a:spcPts val="0"/>
-              </a:spcAft>
-              <a:buSzPct val="100000"/>
-              <a:buAutoNum type="arabicPeriod"/>
-            </a:pPr>
-            <a:r>
-              <a:rPr lang="en"/>
-              <a:t>Log of states + store a reference without FK + value of current state on Equipment</a:t>
-            </a:r>
-            <a:endParaRPr/>
-          </a:p>
-          <a:p>
-            <a:pPr indent="-325755" lvl="0" marL="914400" rtl="0" algn="l">
-              <a:spcBef>
-                <a:spcPts val="0"/>
-              </a:spcBef>
-              <a:spcAft>
-                <a:spcPts val="0"/>
-              </a:spcAft>
-              <a:buSzPct val="100000"/>
+              <a:t>Can be used for scaling, e.g. replacing reads to read from a </a:t>
+            </a:r>
+            <a:r>
+              <a:rPr lang="en"/>
+              <a:t>database </a:t>
+            </a:r>
+            <a:r>
+              <a:rPr lang="en"/>
+              <a:t>read replica</a:t>
+            </a:r>
+            <a:endParaRPr/>
+          </a:p>
+          <a:p>
+            <a:pPr indent="-342900" lvl="0" marL="457200" rtl="0" algn="l">
+              <a:spcBef>
+                <a:spcPts val="0"/>
+              </a:spcBef>
+              <a:spcAft>
+                <a:spcPts val="0"/>
+              </a:spcAft>
+              <a:buSzPts val="1800"/>
               <a:buChar char="-"/>
             </a:pPr>
             <a:r>
               <a:rPr lang="en"/>
-              <a:t>Pro - even lighter / simpler query to filter equipment by state</a:t>
-            </a:r>
-            <a:endParaRPr/>
-          </a:p>
-          <a:p>
-            <a:pPr indent="-325755" lvl="0" marL="914400" rtl="0" algn="l">
-              <a:spcBef>
-                <a:spcPts val="0"/>
-              </a:spcBef>
-              <a:spcAft>
-                <a:spcPts val="0"/>
-              </a:spcAft>
-              <a:buSzPct val="100000"/>
+              <a:t>Vertical Slice Architecture</a:t>
+            </a:r>
+            <a:endParaRPr/>
+          </a:p>
+          <a:p>
+            <a:pPr indent="-317500" lvl="1" marL="914400" rtl="0" algn="l">
+              <a:spcBef>
+                <a:spcPts val="0"/>
+              </a:spcBef>
+              <a:spcAft>
+                <a:spcPts val="0"/>
+              </a:spcAft>
+              <a:buSzPts val="1400"/>
               <a:buChar char="-"/>
             </a:pPr>
             <a:r>
               <a:rPr lang="en"/>
-              <a:t>Pro - avoid inserting a circular reference</a:t>
-            </a:r>
-            <a:endParaRPr/>
-          </a:p>
-          <a:p>
-            <a:pPr indent="-325755" lvl="0" marL="914400" rtl="0" algn="l">
-              <a:spcBef>
-                <a:spcPts val="0"/>
-              </a:spcBef>
-              <a:spcAft>
-                <a:spcPts val="0"/>
-              </a:spcAft>
-              <a:buSzPct val="100000"/>
+              <a:t>Organize code by feature</a:t>
+            </a:r>
+            <a:endParaRPr/>
+          </a:p>
+          <a:p>
+            <a:pPr indent="-317500" lvl="1" marL="914400" rtl="0" algn="l">
+              <a:spcBef>
+                <a:spcPts val="0"/>
+              </a:spcBef>
+              <a:spcAft>
+                <a:spcPts val="0"/>
+              </a:spcAft>
+              <a:buSzPts val="1400"/>
               <a:buChar char="-"/>
             </a:pPr>
             <a:r>
               <a:rPr lang="en"/>
-              <a:t>Con - 2 table write on insert</a:t>
-            </a:r>
-            <a:endParaRPr/>
-          </a:p>
-          <a:p>
-            <a:pPr indent="-325755" lvl="0" marL="914400" rtl="0" algn="l">
-              <a:spcBef>
-                <a:spcPts val="0"/>
-              </a:spcBef>
-              <a:spcAft>
-                <a:spcPts val="0"/>
-              </a:spcAft>
-              <a:buSzPct val="100000"/>
+              <a:t>Each feature contains E2E code:</a:t>
+            </a:r>
+            <a:endParaRPr/>
+          </a:p>
+          <a:p>
+            <a:pPr indent="-317500" lvl="2" marL="1371600" rtl="0" algn="l">
+              <a:spcBef>
+                <a:spcPts val="0"/>
+              </a:spcBef>
+              <a:spcAft>
+                <a:spcPts val="0"/>
+              </a:spcAft>
+              <a:buSzPts val="1400"/>
               <a:buChar char="-"/>
             </a:pPr>
             <a:r>
               <a:rPr lang="en"/>
-              <a:t>Con - duplicated data</a:t>
-            </a:r>
-            <a:endParaRPr/>
-          </a:p>
-          <a:p>
-            <a:pPr indent="-325755" lvl="0" marL="914400" rtl="0" algn="l">
-              <a:spcBef>
-                <a:spcPts val="0"/>
-              </a:spcBef>
-              <a:spcAft>
-                <a:spcPts val="0"/>
-              </a:spcAft>
-              <a:buSzPct val="100000"/>
+              <a:t>highly cohesive</a:t>
+            </a:r>
+            <a:endParaRPr/>
+          </a:p>
+          <a:p>
+            <a:pPr indent="-317500" lvl="2" marL="1371600" rtl="0" algn="l">
+              <a:spcBef>
+                <a:spcPts val="0"/>
+              </a:spcBef>
+              <a:spcAft>
+                <a:spcPts val="0"/>
+              </a:spcAft>
+              <a:buSzPts val="1400"/>
               <a:buChar char="-"/>
             </a:pPr>
             <a:r>
               <a:rPr lang="en"/>
-              <a:t>Con - lack of FK potentially compromises data integrity</a:t>
+              <a:t>lowly coupled</a:t>
+            </a:r>
+            <a:endParaRPr/>
+          </a:p>
+          <a:p>
+            <a:pPr indent="-317500" lvl="2" marL="1371600" rtl="0" algn="l">
+              <a:spcBef>
+                <a:spcPts val="0"/>
+              </a:spcBef>
+              <a:spcAft>
+                <a:spcPts val="0"/>
+              </a:spcAft>
+              <a:buSzPts val="1400"/>
+              <a:buChar char="-"/>
+            </a:pPr>
+            <a:r>
+              <a:rPr lang="en"/>
+              <a:t>less complex</a:t>
+            </a:r>
+            <a:endParaRPr/>
+          </a:p>
+          <a:p>
+            <a:pPr indent="-317500" lvl="2" marL="1371600" rtl="0" algn="l">
+              <a:spcBef>
+                <a:spcPts val="0"/>
+              </a:spcBef>
+              <a:spcAft>
+                <a:spcPts val="0"/>
+              </a:spcAft>
+              <a:buSzPts val="1400"/>
+              <a:buChar char="-"/>
+            </a:pPr>
+            <a:r>
+              <a:rPr lang="en"/>
+              <a:t>Minimal boilerplate</a:t>
             </a:r>
             <a:endParaRPr/>
           </a:p>
@@ -8330,6 +9046,50 @@
           <p:cNvPr id="103" name="Google Shape;103;p21"/>
           <p:cNvSpPr txBox="1"/>
           <p:nvPr>
+            <p:ph type="title"/>
+          </p:nvPr>
+        </p:nvSpPr>
+        <p:spPr>
+          <a:xfrm>
+            <a:off x="311700" y="445025"/>
+            <a:ext cx="8520600" cy="572700"/>
+          </a:xfrm>
+          <a:prstGeom prst="rect">
+            <a:avLst/>
+          </a:prstGeom>
+        </p:spPr>
+        <p:txBody>
+          <a:bodyPr anchorCtr="0" anchor="t" bIns="91425" lIns="91425" spcFirstLastPara="1" rIns="91425" wrap="square" tIns="91425">
+            <a:normAutofit fontScale="90000"/>
+          </a:bodyPr>
+          <a:lstStyle/>
+          <a:p>
+            <a:pPr indent="0" lvl="0" marL="0" rtl="0" algn="l">
+              <a:spcBef>
+                <a:spcPts val="0"/>
+              </a:spcBef>
+              <a:spcAft>
+                <a:spcPts val="0"/>
+              </a:spcAft>
+              <a:buNone/>
+            </a:pPr>
+            <a:r>
+              <a:rPr lang="en"/>
+              <a:t>Trade</a:t>
+            </a:r>
+            <a:r>
+              <a:rPr lang="en"/>
+              <a:t>-off: Storage of equipment states</a:t>
+            </a:r>
+            <a:endParaRPr/>
+          </a:p>
+        </p:txBody>
+      </p:sp>
+      <p:sp>
+        <p:nvSpPr>
+          <p:cNvPr id="104" name="Google Shape;104;p21"/>
+          <p:cNvSpPr txBox="1"/>
+          <p:nvPr>
             <p:ph idx="1" type="body"/>
           </p:nvPr>
         </p:nvSpPr>
@@ -8344,164 +9104,233 @@
         </p:spPr>
         <p:txBody>
           <a:bodyPr anchorCtr="0" anchor="t" bIns="91425" lIns="91425" spcFirstLastPara="1" rIns="91425" wrap="square" tIns="91425">
-            <a:normAutofit/>
+            <a:normAutofit fontScale="85000" lnSpcReduction="20000"/>
           </a:bodyPr>
           <a:lstStyle/>
           <a:p>
-            <a:pPr indent="0" lvl="0" marL="0" rtl="0" algn="l">
-              <a:spcBef>
-                <a:spcPts val="0"/>
-              </a:spcBef>
-              <a:spcAft>
-                <a:spcPts val="0"/>
-              </a:spcAft>
-              <a:buNone/>
-            </a:pPr>
-            <a:r>
-              <a:rPr lang="en"/>
-              <a:t>Pros:</a:t>
-            </a:r>
-            <a:endParaRPr/>
-          </a:p>
-          <a:p>
-            <a:pPr indent="-342900" lvl="0" marL="457200" rtl="0" algn="l">
-              <a:spcBef>
-                <a:spcPts val="1200"/>
-              </a:spcBef>
-              <a:spcAft>
-                <a:spcPts val="0"/>
-              </a:spcAft>
-              <a:buSzPts val="1800"/>
+            <a:pPr indent="-325755" lvl="0" marL="457200" rtl="0" algn="l">
+              <a:spcBef>
+                <a:spcPts val="0"/>
+              </a:spcBef>
+              <a:spcAft>
+                <a:spcPts val="0"/>
+              </a:spcAft>
+              <a:buSzPct val="100000"/>
+              <a:buAutoNum type="arabicPeriod"/>
+            </a:pPr>
+            <a:r>
+              <a:rPr lang="en"/>
+              <a:t>Log of states (Id, EquipmentId, State, Timestamp) with a FK on EquipmentId and DESC index on timestamp</a:t>
+            </a:r>
+            <a:endParaRPr/>
+          </a:p>
+          <a:p>
+            <a:pPr indent="-325755" lvl="0" marL="914400" rtl="0" algn="l">
+              <a:spcBef>
+                <a:spcPts val="0"/>
+              </a:spcBef>
+              <a:spcAft>
+                <a:spcPts val="0"/>
+              </a:spcAft>
+              <a:buSzPct val="100000"/>
               <a:buChar char="-"/>
             </a:pPr>
             <a:r>
               <a:rPr lang="en"/>
-              <a:t>Simple - no need to add code for handling new data, invalidate the relevant cache keys and the app handles it</a:t>
-            </a:r>
-            <a:endParaRPr/>
-          </a:p>
-          <a:p>
-            <a:pPr indent="-342900" lvl="0" marL="457200" rtl="0" algn="l">
-              <a:spcBef>
-                <a:spcPts val="0"/>
-              </a:spcBef>
-              <a:spcAft>
-                <a:spcPts val="0"/>
-              </a:spcAft>
-              <a:buSzPts val="1800"/>
+              <a:t>Pro - light inserts</a:t>
+            </a:r>
+            <a:endParaRPr/>
+          </a:p>
+          <a:p>
+            <a:pPr indent="-325755" lvl="0" marL="914400" rtl="0" algn="l">
+              <a:spcBef>
+                <a:spcPts val="0"/>
+              </a:spcBef>
+              <a:spcAft>
+                <a:spcPts val="0"/>
+              </a:spcAft>
+              <a:buSzPct val="100000"/>
               <a:buChar char="-"/>
             </a:pPr>
             <a:r>
               <a:rPr lang="en"/>
-              <a:t>Data consistency - all relevant data is re-fetched so it’s sure to be up-to-date</a:t>
-            </a:r>
-            <a:endParaRPr/>
-          </a:p>
-          <a:p>
-            <a:pPr indent="0" lvl="0" marL="0" rtl="0" algn="l">
-              <a:spcBef>
-                <a:spcPts val="1200"/>
-              </a:spcBef>
-              <a:spcAft>
-                <a:spcPts val="0"/>
-              </a:spcAft>
-              <a:buNone/>
-            </a:pPr>
-            <a:r>
-              <a:rPr lang="en"/>
-              <a:t>Cons:</a:t>
-            </a:r>
-            <a:endParaRPr/>
-          </a:p>
-          <a:p>
-            <a:pPr indent="-342900" lvl="0" marL="457200" rtl="0" algn="l">
-              <a:spcBef>
-                <a:spcPts val="1200"/>
-              </a:spcBef>
-              <a:spcAft>
-                <a:spcPts val="0"/>
-              </a:spcAft>
-              <a:buSzPts val="1800"/>
+              <a:t>Con - current state has to be computed on each read, querying is harder</a:t>
+            </a:r>
+            <a:endParaRPr/>
+          </a:p>
+          <a:p>
+            <a:pPr indent="-325755" lvl="0" marL="457200" rtl="0" algn="l">
+              <a:spcBef>
+                <a:spcPts val="0"/>
+              </a:spcBef>
+              <a:spcAft>
+                <a:spcPts val="0"/>
+              </a:spcAft>
+              <a:buSzPct val="100000"/>
+              <a:buAutoNum type="arabicPeriod"/>
+            </a:pPr>
+            <a:r>
+              <a:rPr lang="en"/>
+              <a:t>Log of states + store a FK reference to the current state on Equipment</a:t>
+            </a:r>
+            <a:endParaRPr/>
+          </a:p>
+          <a:p>
+            <a:pPr indent="-325755" lvl="0" marL="914400" rtl="0" algn="l">
+              <a:spcBef>
+                <a:spcPts val="0"/>
+              </a:spcBef>
+              <a:spcAft>
+                <a:spcPts val="0"/>
+              </a:spcAft>
+              <a:buSzPct val="100000"/>
               <a:buChar char="-"/>
             </a:pPr>
             <a:r>
               <a:rPr lang="en"/>
-              <a:t>Extra network requests to fetch data that can be computed</a:t>
-            </a:r>
-            <a:endParaRPr/>
-          </a:p>
-          <a:p>
-            <a:pPr indent="-342900" lvl="0" marL="457200" rtl="0" algn="l">
-              <a:spcBef>
-                <a:spcPts val="0"/>
-              </a:spcBef>
-              <a:spcAft>
-                <a:spcPts val="0"/>
-              </a:spcAft>
-              <a:buSzPts val="1800"/>
+              <a:t>Pro - light and simple query</a:t>
+            </a:r>
+            <a:endParaRPr/>
+          </a:p>
+          <a:p>
+            <a:pPr indent="-325755" lvl="0" marL="914400" rtl="0" algn="l">
+              <a:spcBef>
+                <a:spcPts val="0"/>
+              </a:spcBef>
+              <a:spcAft>
+                <a:spcPts val="0"/>
+              </a:spcAft>
+              <a:buSzPct val="100000"/>
               <a:buChar char="-"/>
             </a:pPr>
             <a:r>
               <a:rPr lang="en"/>
-              <a:t>Small updates may trigger a big reload, which adds load to the backend</a:t>
-            </a:r>
-            <a:endParaRPr/>
-          </a:p>
-          <a:p>
-            <a:pPr indent="0" lvl="0" marL="457200" rtl="0" algn="l">
-              <a:spcBef>
-                <a:spcPts val="1200"/>
-              </a:spcBef>
-              <a:spcAft>
-                <a:spcPts val="1200"/>
-              </a:spcAft>
-              <a:buNone/>
-            </a:pPr>
-            <a:r>
-              <a:t/>
-            </a:r>
-            <a:endParaRPr/>
-          </a:p>
-        </p:txBody>
-      </p:sp>
-      <p:sp>
-        <p:nvSpPr>
-          <p:cNvPr id="104" name="Google Shape;104;p21"/>
-          <p:cNvSpPr txBox="1"/>
-          <p:nvPr>
-            <p:ph type="title"/>
-          </p:nvPr>
-        </p:nvSpPr>
-        <p:spPr>
-          <a:xfrm>
-            <a:off x="311700" y="445025"/>
-            <a:ext cx="8520600" cy="572700"/>
-          </a:xfrm>
-          <a:prstGeom prst="rect">
-            <a:avLst/>
-          </a:prstGeom>
-        </p:spPr>
-        <p:txBody>
-          <a:bodyPr anchorCtr="0" anchor="t" bIns="91425" lIns="91425" spcFirstLastPara="1" rIns="91425" wrap="square" tIns="91425">
-            <a:normAutofit/>
-          </a:bodyPr>
-          <a:lstStyle/>
-          <a:p>
-            <a:pPr indent="0" lvl="0" marL="0" rtl="0" algn="l">
-              <a:spcBef>
-                <a:spcPts val="0"/>
-              </a:spcBef>
-              <a:spcAft>
-                <a:spcPts val="0"/>
-              </a:spcAft>
-              <a:buSzPts val="990"/>
-              <a:buNone/>
-            </a:pPr>
-            <a:r>
-              <a:rPr lang="en" sz="2320"/>
-              <a:t>Trade-off: UI events - cache invalidation vs in-place updates</a:t>
-            </a:r>
-            <a:endParaRPr sz="2320"/>
+              <a:t>Con - have to write to 2 tables on state insert</a:t>
+            </a:r>
+            <a:endParaRPr/>
+          </a:p>
+          <a:p>
+            <a:pPr indent="-325755" lvl="0" marL="914400" rtl="0" algn="l">
+              <a:spcBef>
+                <a:spcPts val="0"/>
+              </a:spcBef>
+              <a:spcAft>
+                <a:spcPts val="0"/>
+              </a:spcAft>
+              <a:buSzPct val="100000"/>
+              <a:buChar char="-"/>
+            </a:pPr>
+            <a:r>
+              <a:rPr lang="en"/>
+              <a:t>Con - inserting a circular reference </a:t>
+            </a:r>
+            <a:r>
+              <a:rPr lang="en"/>
+              <a:t>❌</a:t>
+            </a:r>
+            <a:endParaRPr/>
+          </a:p>
+          <a:p>
+            <a:pPr indent="-325755" lvl="0" marL="457200" rtl="0" algn="l">
+              <a:spcBef>
+                <a:spcPts val="0"/>
+              </a:spcBef>
+              <a:spcAft>
+                <a:spcPts val="0"/>
+              </a:spcAft>
+              <a:buSzPct val="100000"/>
+              <a:buAutoNum type="arabicPeriod"/>
+            </a:pPr>
+            <a:r>
+              <a:rPr lang="en"/>
+              <a:t>✅ Log of states + store a reference without FK + value of current state on Equipment </a:t>
+            </a:r>
+            <a:endParaRPr/>
+          </a:p>
+          <a:p>
+            <a:pPr indent="-325755" lvl="0" marL="914400" rtl="0" algn="l">
+              <a:spcBef>
+                <a:spcPts val="0"/>
+              </a:spcBef>
+              <a:spcAft>
+                <a:spcPts val="0"/>
+              </a:spcAft>
+              <a:buSzPct val="100000"/>
+              <a:buChar char="-"/>
+            </a:pPr>
+            <a:r>
+              <a:rPr lang="en"/>
+              <a:t>Pro - even lighter / simpler query to filter equipment by state</a:t>
+            </a:r>
+            <a:endParaRPr/>
+          </a:p>
+          <a:p>
+            <a:pPr indent="-325755" lvl="0" marL="914400" rtl="0" algn="l">
+              <a:spcBef>
+                <a:spcPts val="0"/>
+              </a:spcBef>
+              <a:spcAft>
+                <a:spcPts val="0"/>
+              </a:spcAft>
+              <a:buSzPct val="100000"/>
+              <a:buChar char="-"/>
+            </a:pPr>
+            <a:r>
+              <a:rPr lang="en"/>
+              <a:t>Pro - avoid inserting a circular reference</a:t>
+            </a:r>
+            <a:endParaRPr/>
+          </a:p>
+          <a:p>
+            <a:pPr indent="-325755" lvl="0" marL="914400" rtl="0" algn="l">
+              <a:spcBef>
+                <a:spcPts val="0"/>
+              </a:spcBef>
+              <a:spcAft>
+                <a:spcPts val="0"/>
+              </a:spcAft>
+              <a:buSzPct val="100000"/>
+              <a:buChar char="-"/>
+            </a:pPr>
+            <a:r>
+              <a:rPr lang="en"/>
+              <a:t>Con - 2 table write on insert</a:t>
+            </a:r>
+            <a:endParaRPr/>
+          </a:p>
+          <a:p>
+            <a:pPr indent="-325755" lvl="0" marL="914400" rtl="0" algn="l">
+              <a:spcBef>
+                <a:spcPts val="0"/>
+              </a:spcBef>
+              <a:spcAft>
+                <a:spcPts val="0"/>
+              </a:spcAft>
+              <a:buSzPct val="100000"/>
+              <a:buChar char="-"/>
+            </a:pPr>
+            <a:r>
+              <a:rPr lang="en"/>
+              <a:t>Con - duplicated data</a:t>
+            </a:r>
+            <a:endParaRPr/>
+          </a:p>
+          <a:p>
+            <a:pPr indent="-325755" lvl="0" marL="914400" rtl="0" algn="l">
+              <a:spcBef>
+                <a:spcPts val="0"/>
+              </a:spcBef>
+              <a:spcAft>
+                <a:spcPts val="0"/>
+              </a:spcAft>
+              <a:buSzPct val="100000"/>
+              <a:buChar char="-"/>
+            </a:pPr>
+            <a:r>
+              <a:rPr lang="en"/>
+              <a:t>Con - lack of FK potentially compromises data integrity</a:t>
+            </a:r>
+            <a:endParaRPr/>
           </a:p>
         </p:txBody>
       </p:sp>
@@ -8514,6 +9343,285 @@
 </file>
 
 <file path=ppt/theme/theme1.xml><?xml version="1.0" encoding="utf-8"?>
+<a:theme xmlns:a="http://schemas.openxmlformats.org/drawingml/2006/main" xmlns:r="http://schemas.openxmlformats.org/officeDocument/2006/relationships" name="Simple Light">
+  <a:themeElements>
+    <a:clrScheme name="Simple Light">
+      <a:dk1>
+        <a:srgbClr val="000000"/>
+      </a:dk1>
+      <a:lt1>
+        <a:srgbClr val="FFFFFF"/>
+      </a:lt1>
+      <a:dk2>
+        <a:srgbClr val="595959"/>
+      </a:dk2>
+      <a:lt2>
+        <a:srgbClr val="EEEEEE"/>
+      </a:lt2>
+      <a:accent1>
+        <a:srgbClr val="4285F4"/>
+      </a:accent1>
+      <a:accent2>
+        <a:srgbClr val="212121"/>
+      </a:accent2>
+      <a:accent3>
+        <a:srgbClr val="78909C"/>
+      </a:accent3>
+      <a:accent4>
+        <a:srgbClr val="FFAB40"/>
+      </a:accent4>
+      <a:accent5>
+        <a:srgbClr val="0097A7"/>
+      </a:accent5>
+      <a:accent6>
+        <a:srgbClr val="EEFF41"/>
+      </a:accent6>
+      <a:hlink>
+        <a:srgbClr val="0097A7"/>
+      </a:hlink>
+      <a:folHlink>
+        <a:srgbClr val="0097A7"/>
+      </a:folHlink>
+    </a:clrScheme>
+    <a:fontScheme name="Office">
+      <a:majorFont>
+        <a:latin typeface="Arial"/>
+        <a:ea typeface=""/>
+        <a:cs typeface=""/>
+        <a:font script="Jpan" typeface="ＭＳ Ｐゴシック"/>
+        <a:font script="Hang" typeface="맑은 고딕"/>
+        <a:font script="Hans" typeface="宋体"/>
+        <a:font script="Hant" typeface="新細明體"/>
+        <a:font script="Arab" typeface="Times New Roman"/>
+        <a:font script="Hebr" typeface="Times New Roman"/>
+        <a:font script="Thai" typeface="Angsana New"/>
+        <a:font script="Ethi" typeface="Nyala"/>
+        <a:font script="Beng" typeface="Vrinda"/>
+        <a:font script="Gujr" typeface="Shruti"/>
+        <a:font script="Khmr" typeface="MoolBoran"/>
+        <a:font script="Knda" typeface="Tunga"/>
+        <a:font script="Guru" typeface="Raavi"/>
+        <a:font script="Cans" typeface="Euphemia"/>
+        <a:font script="Cher" typeface="Plantagenet Cherokee"/>
+        <a:font script="Yiii" typeface="Microsoft Yi Baiti"/>
+        <a:font script="Tibt" typeface="Microsoft Himalaya"/>
+        <a:font script="Thaa" typeface="MV Boli"/>
+        <a:font script="Deva" typeface="Mangal"/>
+        <a:font script="Telu" typeface="Gautami"/>
+        <a:font script="Taml" typeface="Latha"/>
+        <a:font script="Syrc" typeface="Estrangelo Edessa"/>
+        <a:font script="Orya" typeface="Kalinga"/>
+        <a:font script="Mlym" typeface="Kartika"/>
+        <a:font script="Laoo" typeface="DokChampa"/>
+        <a:font script="Sinh" typeface="Iskoola Pota"/>
+        <a:font script="Mong" typeface="Mongolian Baiti"/>
+        <a:font script="Viet" typeface="Times New Roman"/>
+        <a:font script="Uigh" typeface="Microsoft Uighur"/>
+        <a:font script="Geor" typeface="Sylfaen"/>
+      </a:majorFont>
+      <a:minorFont>
+        <a:latin typeface="Arial"/>
+        <a:ea typeface=""/>
+        <a:cs typeface=""/>
+        <a:font script="Jpan" typeface="ＭＳ Ｐゴシック"/>
+        <a:font script="Hang" typeface="맑은 고딕"/>
+        <a:font script="Hans" typeface="宋体"/>
+        <a:font script="Hant" typeface="新細明體"/>
+        <a:font script="Arab" typeface="Arial"/>
+        <a:font script="Hebr" typeface="Arial"/>
+        <a:font script="Thai" typeface="Cordia New"/>
+        <a:font script="Ethi" typeface="Nyala"/>
+        <a:font script="Beng" typeface="Vrinda"/>
+        <a:font script="Gujr" typeface="Shruti"/>
+        <a:font script="Khmr" typeface="DaunPenh"/>
+        <a:font script="Knda" typeface="Tunga"/>
+        <a:font script="Guru" typeface="Raavi"/>
+        <a:font script="Cans" typeface="Euphemia"/>
+        <a:font script="Cher" typeface="Plantagenet Cherokee"/>
+        <a:font script="Yiii" typeface="Microsoft Yi Baiti"/>
+        <a:font script="Tibt" typeface="Microsoft Himalaya"/>
+        <a:font script="Thaa" typeface="MV Boli"/>
+        <a:font script="Deva" typeface="Mangal"/>
+        <a:font script="Telu" typeface="Gautami"/>
+        <a:font script="Taml" typeface="Latha"/>
+        <a:font script="Syrc" typeface="Estrangelo Edessa"/>
+        <a:font script="Orya" typeface="Kalinga"/>
+        <a:font script="Mlym" typeface="Kartika"/>
+        <a:font script="Laoo" typeface="DokChampa"/>
+        <a:font script="Sinh" typeface="Iskoola Pota"/>
+        <a:font script="Mong" typeface="Mongolian Baiti"/>
+        <a:font script="Viet" typeface="Arial"/>
+        <a:font script="Uigh" typeface="Microsoft Uighur"/>
+        <a:font script="Geor" typeface="Sylfaen"/>
+      </a:minorFont>
+    </a:fontScheme>
+    <a:fmtScheme name="Office">
+      <a:fillStyleLst>
+        <a:solidFill>
+          <a:schemeClr val="phClr"/>
+        </a:solidFill>
+        <a:gradFill rotWithShape="1">
+          <a:gsLst>
+            <a:gs pos="0">
+              <a:schemeClr val="phClr">
+                <a:tint val="50000"/>
+                <a:satMod val="300000"/>
+              </a:schemeClr>
+            </a:gs>
+            <a:gs pos="35000">
+              <a:schemeClr val="phClr">
+                <a:tint val="37000"/>
+                <a:satMod val="300000"/>
+              </a:schemeClr>
+            </a:gs>
+            <a:gs pos="100000">
+              <a:schemeClr val="phClr">
+                <a:tint val="15000"/>
+                <a:satMod val="350000"/>
+              </a:schemeClr>
+            </a:gs>
+          </a:gsLst>
+          <a:lin ang="16200000" scaled="1"/>
+        </a:gradFill>
+        <a:gradFill rotWithShape="1">
+          <a:gsLst>
+            <a:gs pos="0">
+              <a:schemeClr val="phClr">
+                <a:tint val="100000"/>
+                <a:shade val="100000"/>
+                <a:satMod val="130000"/>
+              </a:schemeClr>
+            </a:gs>
+            <a:gs pos="100000">
+              <a:schemeClr val="phClr">
+                <a:tint val="50000"/>
+                <a:shade val="100000"/>
+                <a:satMod val="350000"/>
+              </a:schemeClr>
+            </a:gs>
+          </a:gsLst>
+          <a:lin ang="16200000" scaled="0"/>
+        </a:gradFill>
+      </a:fillStyleLst>
+      <a:lnStyleLst>
+        <a:ln w="9525" cap="flat" cmpd="sng" algn="ctr">
+          <a:solidFill>
+            <a:schemeClr val="phClr">
+              <a:shade val="95000"/>
+              <a:satMod val="105000"/>
+            </a:schemeClr>
+          </a:solidFill>
+          <a:prstDash val="solid"/>
+        </a:ln>
+        <a:ln w="25400" cap="flat" cmpd="sng" algn="ctr">
+          <a:solidFill>
+            <a:schemeClr val="phClr"/>
+          </a:solidFill>
+          <a:prstDash val="solid"/>
+        </a:ln>
+        <a:ln w="38100" cap="flat" cmpd="sng" algn="ctr">
+          <a:solidFill>
+            <a:schemeClr val="phClr"/>
+          </a:solidFill>
+          <a:prstDash val="solid"/>
+        </a:ln>
+      </a:lnStyleLst>
+      <a:effectStyleLst>
+        <a:effectStyle>
+          <a:effectLst>
+            <a:outerShdw blurRad="40000" dist="20000" dir="5400000" rotWithShape="0">
+              <a:srgbClr val="000000">
+                <a:alpha val="38000"/>
+              </a:srgbClr>
+            </a:outerShdw>
+          </a:effectLst>
+        </a:effectStyle>
+        <a:effectStyle>
+          <a:effectLst>
+            <a:outerShdw blurRad="40000" dist="23000" dir="5400000" rotWithShape="0">
+              <a:srgbClr val="000000">
+                <a:alpha val="35000"/>
+              </a:srgbClr>
+            </a:outerShdw>
+          </a:effectLst>
+        </a:effectStyle>
+        <a:effectStyle>
+          <a:effectLst>
+            <a:outerShdw blurRad="40000" dist="23000" dir="5400000" rotWithShape="0">
+              <a:srgbClr val="000000">
+                <a:alpha val="35000"/>
+              </a:srgbClr>
+            </a:outerShdw>
+          </a:effectLst>
+          <a:scene3d>
+            <a:camera prst="orthographicFront">
+              <a:rot lat="0" lon="0" rev="0"/>
+            </a:camera>
+            <a:lightRig rig="threePt" dir="t">
+              <a:rot lat="0" lon="0" rev="1200000"/>
+            </a:lightRig>
+          </a:scene3d>
+          <a:sp3d>
+            <a:bevelT w="63500" h="25400"/>
+          </a:sp3d>
+        </a:effectStyle>
+      </a:effectStyleLst>
+      <a:bgFillStyleLst>
+        <a:solidFill>
+          <a:schemeClr val="phClr"/>
+        </a:solidFill>
+        <a:gradFill rotWithShape="1">
+          <a:gsLst>
+            <a:gs pos="0">
+              <a:schemeClr val="phClr">
+                <a:tint val="40000"/>
+                <a:satMod val="350000"/>
+              </a:schemeClr>
+            </a:gs>
+            <a:gs pos="40000">
+              <a:schemeClr val="phClr">
+                <a:tint val="45000"/>
+                <a:shade val="99000"/>
+                <a:satMod val="350000"/>
+              </a:schemeClr>
+            </a:gs>
+            <a:gs pos="100000">
+              <a:schemeClr val="phClr">
+                <a:shade val="20000"/>
+                <a:satMod val="255000"/>
+              </a:schemeClr>
+            </a:gs>
+          </a:gsLst>
+          <a:path path="circle">
+            <a:fillToRect l="50000" t="-80000" r="50000" b="180000"/>
+          </a:path>
+        </a:gradFill>
+        <a:gradFill rotWithShape="1">
+          <a:gsLst>
+            <a:gs pos="0">
+              <a:schemeClr val="phClr">
+                <a:tint val="80000"/>
+                <a:satMod val="300000"/>
+              </a:schemeClr>
+            </a:gs>
+            <a:gs pos="100000">
+              <a:schemeClr val="phClr">
+                <a:shade val="30000"/>
+                <a:satMod val="200000"/>
+              </a:schemeClr>
+            </a:gs>
+          </a:gsLst>
+          <a:path path="circle">
+            <a:fillToRect l="50000" t="50000" r="50000" b="50000"/>
+          </a:path>
+        </a:gradFill>
+      </a:bgFillStyleLst>
+    </a:fmtScheme>
+  </a:themeElements>
+</a:theme>
+</file>
+
+<file path=ppt/theme/theme2.xml><?xml version="1.0" encoding="utf-8"?>
 <a:theme xmlns:a="http://schemas.openxmlformats.org/drawingml/2006/main" xmlns:r="http://schemas.openxmlformats.org/officeDocument/2006/relationships">
   <a:themeElements>
     <a:clrScheme name="Default">
@@ -8790,283 +9898,4 @@
     </a:fmtScheme>
   </a:themeElements>
 </a:theme>
-</file>
-
-<file path=ppt/theme/theme2.xml><?xml version="1.0" encoding="utf-8"?>
-<a:theme xmlns:a="http://schemas.openxmlformats.org/drawingml/2006/main" xmlns:r="http://schemas.openxmlformats.org/officeDocument/2006/relationships" name="Simple Light">
-  <a:themeElements>
-    <a:clrScheme name="Simple Light">
-      <a:dk1>
-        <a:srgbClr val="000000"/>
-      </a:dk1>
-      <a:lt1>
-        <a:srgbClr val="FFFFFF"/>
-      </a:lt1>
-      <a:dk2>
-        <a:srgbClr val="595959"/>
-      </a:dk2>
-      <a:lt2>
-        <a:srgbClr val="EEEEEE"/>
-      </a:lt2>
-      <a:accent1>
-        <a:srgbClr val="4285F4"/>
-      </a:accent1>
-      <a:accent2>
-        <a:srgbClr val="212121"/>
-      </a:accent2>
-      <a:accent3>
-        <a:srgbClr val="78909C"/>
-      </a:accent3>
-      <a:accent4>
-        <a:srgbClr val="FFAB40"/>
-      </a:accent4>
-      <a:accent5>
-        <a:srgbClr val="0097A7"/>
-      </a:accent5>
-      <a:accent6>
-        <a:srgbClr val="EEFF41"/>
-      </a:accent6>
-      <a:hlink>
-        <a:srgbClr val="0097A7"/>
-      </a:hlink>
-      <a:folHlink>
-        <a:srgbClr val="0097A7"/>
-      </a:folHlink>
-    </a:clrScheme>
-    <a:fontScheme name="Office">
-      <a:majorFont>
-        <a:latin typeface="Arial"/>
-        <a:ea typeface=""/>
-        <a:cs typeface=""/>
-        <a:font script="Jpan" typeface="ＭＳ Ｐゴシック"/>
-        <a:font script="Hang" typeface="맑은 고딕"/>
-        <a:font script="Hans" typeface="宋体"/>
-        <a:font script="Hant" typeface="新細明體"/>
-        <a:font script="Arab" typeface="Times New Roman"/>
-        <a:font script="Hebr" typeface="Times New Roman"/>
-        <a:font script="Thai" typeface="Angsana New"/>
-        <a:font script="Ethi" typeface="Nyala"/>
-        <a:font script="Beng" typeface="Vrinda"/>
-        <a:font script="Gujr" typeface="Shruti"/>
-        <a:font script="Khmr" typeface="MoolBoran"/>
-        <a:font script="Knda" typeface="Tunga"/>
-        <a:font script="Guru" typeface="Raavi"/>
-        <a:font script="Cans" typeface="Euphemia"/>
-        <a:font script="Cher" typeface="Plantagenet Cherokee"/>
-        <a:font script="Yiii" typeface="Microsoft Yi Baiti"/>
-        <a:font script="Tibt" typeface="Microsoft Himalaya"/>
-        <a:font script="Thaa" typeface="MV Boli"/>
-        <a:font script="Deva" typeface="Mangal"/>
-        <a:font script="Telu" typeface="Gautami"/>
-        <a:font script="Taml" typeface="Latha"/>
-        <a:font script="Syrc" typeface="Estrangelo Edessa"/>
-        <a:font script="Orya" typeface="Kalinga"/>
-        <a:font script="Mlym" typeface="Kartika"/>
-        <a:font script="Laoo" typeface="DokChampa"/>
-        <a:font script="Sinh" typeface="Iskoola Pota"/>
-        <a:font script="Mong" typeface="Mongolian Baiti"/>
-        <a:font script="Viet" typeface="Times New Roman"/>
-        <a:font script="Uigh" typeface="Microsoft Uighur"/>
-        <a:font script="Geor" typeface="Sylfaen"/>
-      </a:majorFont>
-      <a:minorFont>
-        <a:latin typeface="Arial"/>
-        <a:ea typeface=""/>
-        <a:cs typeface=""/>
-        <a:font script="Jpan" typeface="ＭＳ Ｐゴシック"/>
-        <a:font script="Hang" typeface="맑은 고딕"/>
-        <a:font script="Hans" typeface="宋体"/>
-        <a:font script="Hant" typeface="新細明體"/>
-        <a:font script="Arab" typeface="Arial"/>
-        <a:font script="Hebr" typeface="Arial"/>
-        <a:font script="Thai" typeface="Cordia New"/>
-        <a:font script="Ethi" typeface="Nyala"/>
-        <a:font script="Beng" typeface="Vrinda"/>
-        <a:font script="Gujr" typeface="Shruti"/>
-        <a:font script="Khmr" typeface="DaunPenh"/>
-        <a:font script="Knda" typeface="Tunga"/>
-        <a:font script="Guru" typeface="Raavi"/>
-        <a:font script="Cans" typeface="Euphemia"/>
-        <a:font script="Cher" typeface="Plantagenet Cherokee"/>
-        <a:font script="Yiii" typeface="Microsoft Yi Baiti"/>
-        <a:font script="Tibt" typeface="Microsoft Himalaya"/>
-        <a:font script="Thaa" typeface="MV Boli"/>
-        <a:font script="Deva" typeface="Mangal"/>
-        <a:font script="Telu" typeface="Gautami"/>
-        <a:font script="Taml" typeface="Latha"/>
-        <a:font script="Syrc" typeface="Estrangelo Edessa"/>
-        <a:font script="Orya" typeface="Kalinga"/>
-        <a:font script="Mlym" typeface="Kartika"/>
-        <a:font script="Laoo" typeface="DokChampa"/>
-        <a:font script="Sinh" typeface="Iskoola Pota"/>
-        <a:font script="Mong" typeface="Mongolian Baiti"/>
-        <a:font script="Viet" typeface="Arial"/>
-        <a:font script="Uigh" typeface="Microsoft Uighur"/>
-        <a:font script="Geor" typeface="Sylfaen"/>
-      </a:minorFont>
-    </a:fontScheme>
-    <a:fmtScheme name="Office">
-      <a:fillStyleLst>
-        <a:solidFill>
-          <a:schemeClr val="phClr"/>
-        </a:solidFill>
-        <a:gradFill rotWithShape="1">
-          <a:gsLst>
-            <a:gs pos="0">
-              <a:schemeClr val="phClr">
-                <a:tint val="50000"/>
-                <a:satMod val="300000"/>
-              </a:schemeClr>
-            </a:gs>
-            <a:gs pos="35000">
-              <a:schemeClr val="phClr">
-                <a:tint val="37000"/>
-                <a:satMod val="300000"/>
-              </a:schemeClr>
-            </a:gs>
-            <a:gs pos="100000">
-              <a:schemeClr val="phClr">
-                <a:tint val="15000"/>
-                <a:satMod val="350000"/>
-              </a:schemeClr>
-            </a:gs>
-          </a:gsLst>
-          <a:lin ang="16200000" scaled="1"/>
-        </a:gradFill>
-        <a:gradFill rotWithShape="1">
-          <a:gsLst>
-            <a:gs pos="0">
-              <a:schemeClr val="phClr">
-                <a:tint val="100000"/>
-                <a:shade val="100000"/>
-                <a:satMod val="130000"/>
-              </a:schemeClr>
-            </a:gs>
-            <a:gs pos="100000">
-              <a:schemeClr val="phClr">
-                <a:tint val="50000"/>
-                <a:shade val="100000"/>
-                <a:satMod val="350000"/>
-              </a:schemeClr>
-            </a:gs>
-          </a:gsLst>
-          <a:lin ang="16200000" scaled="0"/>
-        </a:gradFill>
-      </a:fillStyleLst>
-      <a:lnStyleLst>
-        <a:ln w="9525" cap="flat" cmpd="sng" algn="ctr">
-          <a:solidFill>
-            <a:schemeClr val="phClr">
-              <a:shade val="95000"/>
-              <a:satMod val="105000"/>
-            </a:schemeClr>
-          </a:solidFill>
-          <a:prstDash val="solid"/>
-        </a:ln>
-        <a:ln w="25400" cap="flat" cmpd="sng" algn="ctr">
-          <a:solidFill>
-            <a:schemeClr val="phClr"/>
-          </a:solidFill>
-          <a:prstDash val="solid"/>
-        </a:ln>
-        <a:ln w="38100" cap="flat" cmpd="sng" algn="ctr">
-          <a:solidFill>
-            <a:schemeClr val="phClr"/>
-          </a:solidFill>
-          <a:prstDash val="solid"/>
-        </a:ln>
-      </a:lnStyleLst>
-      <a:effectStyleLst>
-        <a:effectStyle>
-          <a:effectLst>
-            <a:outerShdw blurRad="40000" dist="20000" dir="5400000" rotWithShape="0">
-              <a:srgbClr val="000000">
-                <a:alpha val="38000"/>
-              </a:srgbClr>
-            </a:outerShdw>
-          </a:effectLst>
-        </a:effectStyle>
-        <a:effectStyle>
-          <a:effectLst>
-            <a:outerShdw blurRad="40000" dist="23000" dir="5400000" rotWithShape="0">
-              <a:srgbClr val="000000">
-                <a:alpha val="35000"/>
-              </a:srgbClr>
-            </a:outerShdw>
-          </a:effectLst>
-        </a:effectStyle>
-        <a:effectStyle>
-          <a:effectLst>
-            <a:outerShdw blurRad="40000" dist="23000" dir="5400000" rotWithShape="0">
-              <a:srgbClr val="000000">
-                <a:alpha val="35000"/>
-              </a:srgbClr>
-            </a:outerShdw>
-          </a:effectLst>
-          <a:scene3d>
-            <a:camera prst="orthographicFront">
-              <a:rot lat="0" lon="0" rev="0"/>
-            </a:camera>
-            <a:lightRig rig="threePt" dir="t">
-              <a:rot lat="0" lon="0" rev="1200000"/>
-            </a:lightRig>
-          </a:scene3d>
-          <a:sp3d>
-            <a:bevelT w="63500" h="25400"/>
-          </a:sp3d>
-        </a:effectStyle>
-      </a:effectStyleLst>
-      <a:bgFillStyleLst>
-        <a:solidFill>
-          <a:schemeClr val="phClr"/>
-        </a:solidFill>
-        <a:gradFill rotWithShape="1">
-          <a:gsLst>
-            <a:gs pos="0">
-              <a:schemeClr val="phClr">
-                <a:tint val="40000"/>
-                <a:satMod val="350000"/>
-              </a:schemeClr>
-            </a:gs>
-            <a:gs pos="40000">
-              <a:schemeClr val="phClr">
-                <a:tint val="45000"/>
-                <a:shade val="99000"/>
-                <a:satMod val="350000"/>
-              </a:schemeClr>
-            </a:gs>
-            <a:gs pos="100000">
-              <a:schemeClr val="phClr">
-                <a:shade val="20000"/>
-                <a:satMod val="255000"/>
-              </a:schemeClr>
-            </a:gs>
-          </a:gsLst>
-          <a:path path="circle">
-            <a:fillToRect l="50000" t="-80000" r="50000" b="180000"/>
-          </a:path>
-        </a:gradFill>
-        <a:gradFill rotWithShape="1">
-          <a:gsLst>
-            <a:gs pos="0">
-              <a:schemeClr val="phClr">
-                <a:tint val="80000"/>
-                <a:satMod val="300000"/>
-              </a:schemeClr>
-            </a:gs>
-            <a:gs pos="100000">
-              <a:schemeClr val="phClr">
-                <a:shade val="30000"/>
-                <a:satMod val="200000"/>
-              </a:schemeClr>
-            </a:gs>
-          </a:gsLst>
-          <a:path path="circle">
-            <a:fillToRect l="50000" t="50000" r="50000" b="50000"/>
-          </a:path>
-        </a:gradFill>
-      </a:bgFillStyleLst>
-    </a:fmtScheme>
-  </a:themeElements>
-</a:theme>
 </file>
--- a/slides.pptx
+++ b/slides.pptx
@@ -7058,6 +7058,23 @@
             <a:endParaRPr/>
           </a:p>
           <a:p>
+            <a:pPr indent="-342900" lvl="0" marL="457200" rtl="0" algn="l">
+              <a:spcBef>
+                <a:spcPts val="0"/>
+              </a:spcBef>
+              <a:spcAft>
+                <a:spcPts val="0"/>
+              </a:spcAft>
+              <a:buSzPts val="1800"/>
+              <a:buChar char="-"/>
+            </a:pPr>
+            <a:r>
+              <a:rPr lang="en"/>
+              <a:t>Add pagination to endpoints</a:t>
+            </a:r>
+            <a:endParaRPr/>
+          </a:p>
+          <a:p>
             <a:pPr indent="0" lvl="0" marL="457200" rtl="0" algn="l">
               <a:spcBef>
                 <a:spcPts val="1200"/>
@@ -7250,6 +7267,23 @@
             <a:r>
               <a:rPr lang="en"/>
               <a:t>need to use sticky sessions and potentially other technologies (e.g. Redis Backplane) to scale out</a:t>
+            </a:r>
+            <a:endParaRPr/>
+          </a:p>
+          <a:p>
+            <a:pPr indent="-342900" lvl="0" marL="457200" rtl="0" algn="l">
+              <a:spcBef>
+                <a:spcPts val="0"/>
+              </a:spcBef>
+              <a:spcAft>
+                <a:spcPts val="0"/>
+              </a:spcAft>
+              <a:buSzPts val="1800"/>
+              <a:buChar char="-"/>
+            </a:pPr>
+            <a:r>
+              <a:rPr lang="en"/>
+              <a:t>Implement in-place updates instead of cache invalidation in the frontend</a:t>
             </a:r>
             <a:endParaRPr/>
           </a:p>

--- a/slides.pptx
+++ b/slides.pptx
@@ -7053,7 +7053,7 @@
             </a:pPr>
             <a:r>
               <a:rPr lang="en"/>
-              <a:t>Use API clients generated from the OpenAPI spec for frontend and integration tests</a:t>
+              <a:t>Add pagination to endpoints</a:t>
             </a:r>
             <a:endParaRPr/>
           </a:p>
@@ -7070,7 +7070,24 @@
             </a:pPr>
             <a:r>
               <a:rPr lang="en"/>
-              <a:t>Add pagination to endpoints</a:t>
+              <a:t>Use API clients generated from the OpenAPI spec for frontend and integration tests</a:t>
+            </a:r>
+            <a:endParaRPr/>
+          </a:p>
+          <a:p>
+            <a:pPr indent="-342900" lvl="0" marL="457200" rtl="0" algn="l">
+              <a:spcBef>
+                <a:spcPts val="0"/>
+              </a:spcBef>
+              <a:spcAft>
+                <a:spcPts val="0"/>
+              </a:spcAft>
+              <a:buSzPts val="1800"/>
+              <a:buChar char="-"/>
+            </a:pPr>
+            <a:r>
+              <a:rPr lang="en"/>
+              <a:t>Add authentication / authorization</a:t>
             </a:r>
             <a:endParaRPr/>
           </a:p>
@@ -9377,6 +9394,285 @@
 </file>
 
 <file path=ppt/theme/theme1.xml><?xml version="1.0" encoding="utf-8"?>
+<a:theme xmlns:a="http://schemas.openxmlformats.org/drawingml/2006/main" xmlns:r="http://schemas.openxmlformats.org/officeDocument/2006/relationships">
+  <a:themeElements>
+    <a:clrScheme name="Default">
+      <a:dk1>
+        <a:srgbClr val="000000"/>
+      </a:dk1>
+      <a:lt1>
+        <a:srgbClr val="FFFFFF"/>
+      </a:lt1>
+      <a:dk2>
+        <a:srgbClr val="158158"/>
+      </a:dk2>
+      <a:lt2>
+        <a:srgbClr val="F3F3F3"/>
+      </a:lt2>
+      <a:accent1>
+        <a:srgbClr val="058DC7"/>
+      </a:accent1>
+      <a:accent2>
+        <a:srgbClr val="50B432"/>
+      </a:accent2>
+      <a:accent3>
+        <a:srgbClr val="ED561B"/>
+      </a:accent3>
+      <a:accent4>
+        <a:srgbClr val="EDEF00"/>
+      </a:accent4>
+      <a:accent5>
+        <a:srgbClr val="24CBE5"/>
+      </a:accent5>
+      <a:accent6>
+        <a:srgbClr val="64E572"/>
+      </a:accent6>
+      <a:hlink>
+        <a:srgbClr val="2200CC"/>
+      </a:hlink>
+      <a:folHlink>
+        <a:srgbClr val="551A8B"/>
+      </a:folHlink>
+    </a:clrScheme>
+    <a:fontScheme name="Office">
+      <a:majorFont>
+        <a:latin typeface="Arial"/>
+        <a:ea typeface=""/>
+        <a:cs typeface=""/>
+        <a:font script="Jpan" typeface="ＭＳ Ｐゴシック"/>
+        <a:font script="Hang" typeface="맑은 고딕"/>
+        <a:font script="Hans" typeface="宋体"/>
+        <a:font script="Hant" typeface="新細明體"/>
+        <a:font script="Arab" typeface="Times New Roman"/>
+        <a:font script="Hebr" typeface="Times New Roman"/>
+        <a:font script="Thai" typeface="Angsana New"/>
+        <a:font script="Ethi" typeface="Nyala"/>
+        <a:font script="Beng" typeface="Vrinda"/>
+        <a:font script="Gujr" typeface="Shruti"/>
+        <a:font script="Khmr" typeface="MoolBoran"/>
+        <a:font script="Knda" typeface="Tunga"/>
+        <a:font script="Guru" typeface="Raavi"/>
+        <a:font script="Cans" typeface="Euphemia"/>
+        <a:font script="Cher" typeface="Plantagenet Cherokee"/>
+        <a:font script="Yiii" typeface="Microsoft Yi Baiti"/>
+        <a:font script="Tibt" typeface="Microsoft Himalaya"/>
+        <a:font script="Thaa" typeface="MV Boli"/>
+        <a:font script="Deva" typeface="Mangal"/>
+        <a:font script="Telu" typeface="Gautami"/>
+        <a:font script="Taml" typeface="Latha"/>
+        <a:font script="Syrc" typeface="Estrangelo Edessa"/>
+        <a:font script="Orya" typeface="Kalinga"/>
+        <a:font script="Mlym" typeface="Kartika"/>
+        <a:font script="Laoo" typeface="DokChampa"/>
+        <a:font script="Sinh" typeface="Iskoola Pota"/>
+        <a:font script="Mong" typeface="Mongolian Baiti"/>
+        <a:font script="Viet" typeface="Times New Roman"/>
+        <a:font script="Uigh" typeface="Microsoft Uighur"/>
+        <a:font script="Geor" typeface="Sylfaen"/>
+      </a:majorFont>
+      <a:minorFont>
+        <a:latin typeface="Arial"/>
+        <a:ea typeface=""/>
+        <a:cs typeface=""/>
+        <a:font script="Jpan" typeface="ＭＳ Ｐゴシック"/>
+        <a:font script="Hang" typeface="맑은 고딕"/>
+        <a:font script="Hans" typeface="宋体"/>
+        <a:font script="Hant" typeface="新細明體"/>
+        <a:font script="Arab" typeface="Arial"/>
+        <a:font script="Hebr" typeface="Arial"/>
+        <a:font script="Thai" typeface="Cordia New"/>
+        <a:font script="Ethi" typeface="Nyala"/>
+        <a:font script="Beng" typeface="Vrinda"/>
+        <a:font script="Gujr" typeface="Shruti"/>
+        <a:font script="Khmr" typeface="DaunPenh"/>
+        <a:font script="Knda" typeface="Tunga"/>
+        <a:font script="Guru" typeface="Raavi"/>
+        <a:font script="Cans" typeface="Euphemia"/>
+        <a:font script="Cher" typeface="Plantagenet Cherokee"/>
+        <a:font script="Yiii" typeface="Microsoft Yi Baiti"/>
+        <a:font script="Tibt" typeface="Microsoft Himalaya"/>
+        <a:font script="Thaa" typeface="MV Boli"/>
+        <a:font script="Deva" typeface="Mangal"/>
+        <a:font script="Telu" typeface="Gautami"/>
+        <a:font script="Taml" typeface="Latha"/>
+        <a:font script="Syrc" typeface="Estrangelo Edessa"/>
+        <a:font script="Orya" typeface="Kalinga"/>
+        <a:font script="Mlym" typeface="Kartika"/>
+        <a:font script="Laoo" typeface="DokChampa"/>
+        <a:font script="Sinh" typeface="Iskoola Pota"/>
+        <a:font script="Mong" typeface="Mongolian Baiti"/>
+        <a:font script="Viet" typeface="Arial"/>
+        <a:font script="Uigh" typeface="Microsoft Uighur"/>
+        <a:font script="Geor" typeface="Sylfaen"/>
+      </a:minorFont>
+    </a:fontScheme>
+    <a:fmtScheme name="Office">
+      <a:fillStyleLst>
+        <a:solidFill>
+          <a:schemeClr val="phClr"/>
+        </a:solidFill>
+        <a:gradFill rotWithShape="1">
+          <a:gsLst>
+            <a:gs pos="0">
+              <a:schemeClr val="phClr">
+                <a:tint val="50000"/>
+                <a:satMod val="300000"/>
+              </a:schemeClr>
+            </a:gs>
+            <a:gs pos="35000">
+              <a:schemeClr val="phClr">
+                <a:tint val="37000"/>
+                <a:satMod val="300000"/>
+              </a:schemeClr>
+            </a:gs>
+            <a:gs pos="100000">
+              <a:schemeClr val="phClr">
+                <a:tint val="15000"/>
+                <a:satMod val="350000"/>
+              </a:schemeClr>
+            </a:gs>
+          </a:gsLst>
+          <a:lin ang="16200000" scaled="1"/>
+        </a:gradFill>
+        <a:gradFill rotWithShape="1">
+          <a:gsLst>
+            <a:gs pos="0">
+              <a:schemeClr val="phClr">
+                <a:tint val="100000"/>
+                <a:shade val="100000"/>
+                <a:satMod val="130000"/>
+              </a:schemeClr>
+            </a:gs>
+            <a:gs pos="100000">
+              <a:schemeClr val="phClr">
+                <a:tint val="50000"/>
+                <a:shade val="100000"/>
+                <a:satMod val="350000"/>
+              </a:schemeClr>
+            </a:gs>
+          </a:gsLst>
+          <a:lin ang="16200000" scaled="0"/>
+        </a:gradFill>
+      </a:fillStyleLst>
+      <a:lnStyleLst>
+        <a:ln w="9525" cap="flat" cmpd="sng" algn="ctr">
+          <a:solidFill>
+            <a:schemeClr val="phClr">
+              <a:shade val="95000"/>
+              <a:satMod val="105000"/>
+            </a:schemeClr>
+          </a:solidFill>
+          <a:prstDash val="solid"/>
+        </a:ln>
+        <a:ln w="25400" cap="flat" cmpd="sng" algn="ctr">
+          <a:solidFill>
+            <a:schemeClr val="phClr"/>
+          </a:solidFill>
+          <a:prstDash val="solid"/>
+        </a:ln>
+        <a:ln w="38100" cap="flat" cmpd="sng" algn="ctr">
+          <a:solidFill>
+            <a:schemeClr val="phClr"/>
+          </a:solidFill>
+          <a:prstDash val="solid"/>
+        </a:ln>
+      </a:lnStyleLst>
+      <a:effectStyleLst>
+        <a:effectStyle>
+          <a:effectLst>
+            <a:outerShdw blurRad="40000" dist="20000" dir="5400000" rotWithShape="0">
+              <a:srgbClr val="000000">
+                <a:alpha val="38000"/>
+              </a:srgbClr>
+            </a:outerShdw>
+          </a:effectLst>
+        </a:effectStyle>
+        <a:effectStyle>
+          <a:effectLst>
+            <a:outerShdw blurRad="40000" dist="23000" dir="5400000" rotWithShape="0">
+              <a:srgbClr val="000000">
+                <a:alpha val="35000"/>
+              </a:srgbClr>
+            </a:outerShdw>
+          </a:effectLst>
+        </a:effectStyle>
+        <a:effectStyle>
+          <a:effectLst>
+            <a:outerShdw blurRad="40000" dist="23000" dir="5400000" rotWithShape="0">
+              <a:srgbClr val="000000">
+                <a:alpha val="35000"/>
+              </a:srgbClr>
+            </a:outerShdw>
+          </a:effectLst>
+          <a:scene3d>
+            <a:camera prst="orthographicFront">
+              <a:rot lat="0" lon="0" rev="0"/>
+            </a:camera>
+            <a:lightRig rig="threePt" dir="t">
+              <a:rot lat="0" lon="0" rev="1200000"/>
+            </a:lightRig>
+          </a:scene3d>
+          <a:sp3d>
+            <a:bevelT w="63500" h="25400"/>
+          </a:sp3d>
+        </a:effectStyle>
+      </a:effectStyleLst>
+      <a:bgFillStyleLst>
+        <a:solidFill>
+          <a:schemeClr val="phClr"/>
+        </a:solidFill>
+        <a:gradFill rotWithShape="1">
+          <a:gsLst>
+            <a:gs pos="0">
+              <a:schemeClr val="phClr">
+                <a:tint val="40000"/>
+                <a:satMod val="350000"/>
+              </a:schemeClr>
+            </a:gs>
+            <a:gs pos="40000">
+              <a:schemeClr val="phClr">
+                <a:tint val="45000"/>
+                <a:shade val="99000"/>
+                <a:satMod val="350000"/>
+              </a:schemeClr>
+            </a:gs>
+            <a:gs pos="100000">
+              <a:schemeClr val="phClr">
+                <a:shade val="20000"/>
+                <a:satMod val="255000"/>
+              </a:schemeClr>
+            </a:gs>
+          </a:gsLst>
+          <a:path path="circle">
+            <a:fillToRect l="50000" t="-80000" r="50000" b="180000"/>
+          </a:path>
+        </a:gradFill>
+        <a:gradFill rotWithShape="1">
+          <a:gsLst>
+            <a:gs pos="0">
+              <a:schemeClr val="phClr">
+                <a:tint val="80000"/>
+                <a:satMod val="300000"/>
+              </a:schemeClr>
+            </a:gs>
+            <a:gs pos="100000">
+              <a:schemeClr val="phClr">
+                <a:shade val="30000"/>
+                <a:satMod val="200000"/>
+              </a:schemeClr>
+            </a:gs>
+          </a:gsLst>
+          <a:path path="circle">
+            <a:fillToRect l="50000" t="50000" r="50000" b="50000"/>
+          </a:path>
+        </a:gradFill>
+      </a:bgFillStyleLst>
+    </a:fmtScheme>
+  </a:themeElements>
+</a:theme>
+</file>
+
+<file path=ppt/theme/theme2.xml><?xml version="1.0" encoding="utf-8"?>
 <a:theme xmlns:a="http://schemas.openxmlformats.org/drawingml/2006/main" xmlns:r="http://schemas.openxmlformats.org/officeDocument/2006/relationships" name="Simple Light">
   <a:themeElements>
     <a:clrScheme name="Simple Light">
@@ -9653,283 +9949,4 @@
     </a:fmtScheme>
   </a:themeElements>
 </a:theme>
-</file>
-
-<file path=ppt/theme/theme2.xml><?xml version="1.0" encoding="utf-8"?>
-<a:theme xmlns:a="http://schemas.openxmlformats.org/drawingml/2006/main" xmlns:r="http://schemas.openxmlformats.org/officeDocument/2006/relationships">
-  <a:themeElements>
-    <a:clrScheme name="Default">
-      <a:dk1>
-        <a:srgbClr val="000000"/>
-      </a:dk1>
-      <a:lt1>
-        <a:srgbClr val="FFFFFF"/>
-      </a:lt1>
-      <a:dk2>
-        <a:srgbClr val="158158"/>
-      </a:dk2>
-      <a:lt2>
-        <a:srgbClr val="F3F3F3"/>
-      </a:lt2>
-      <a:accent1>
-        <a:srgbClr val="058DC7"/>
-      </a:accent1>
-      <a:accent2>
-        <a:srgbClr val="50B432"/>
-      </a:accent2>
-      <a:accent3>
-        <a:srgbClr val="ED561B"/>
-      </a:accent3>
-      <a:accent4>
-        <a:srgbClr val="EDEF00"/>
-      </a:accent4>
-      <a:accent5>
-        <a:srgbClr val="24CBE5"/>
-      </a:accent5>
-      <a:accent6>
-        <a:srgbClr val="64E572"/>
-      </a:accent6>
-      <a:hlink>
-        <a:srgbClr val="2200CC"/>
-      </a:hlink>
-      <a:folHlink>
-        <a:srgbClr val="551A8B"/>
-      </a:folHlink>
-    </a:clrScheme>
-    <a:fontScheme name="Office">
-      <a:majorFont>
-        <a:latin typeface="Arial"/>
-        <a:ea typeface=""/>
-        <a:cs typeface=""/>
-        <a:font script="Jpan" typeface="ＭＳ Ｐゴシック"/>
-        <a:font script="Hang" typeface="맑은 고딕"/>
-        <a:font script="Hans" typeface="宋体"/>
-        <a:font script="Hant" typeface="新細明體"/>
-        <a:font script="Arab" typeface="Times New Roman"/>
-        <a:font script="Hebr" typeface="Times New Roman"/>
-        <a:font script="Thai" typeface="Angsana New"/>
-        <a:font script="Ethi" typeface="Nyala"/>
-        <a:font script="Beng" typeface="Vrinda"/>
-        <a:font script="Gujr" typeface="Shruti"/>
-        <a:font script="Khmr" typeface="MoolBoran"/>
-        <a:font script="Knda" typeface="Tunga"/>
-        <a:font script="Guru" typeface="Raavi"/>
-        <a:font script="Cans" typeface="Euphemia"/>
-        <a:font script="Cher" typeface="Plantagenet Cherokee"/>
-        <a:font script="Yiii" typeface="Microsoft Yi Baiti"/>
-        <a:font script="Tibt" typeface="Microsoft Himalaya"/>
-        <a:font script="Thaa" typeface="MV Boli"/>
-        <a:font script="Deva" typeface="Mangal"/>
-        <a:font script="Telu" typeface="Gautami"/>
-        <a:font script="Taml" typeface="Latha"/>
-        <a:font script="Syrc" typeface="Estrangelo Edessa"/>
-        <a:font script="Orya" typeface="Kalinga"/>
-        <a:font script="Mlym" typeface="Kartika"/>
-        <a:font script="Laoo" typeface="DokChampa"/>
-        <a:font script="Sinh" typeface="Iskoola Pota"/>
-        <a:font script="Mong" typeface="Mongolian Baiti"/>
-        <a:font script="Viet" typeface="Times New Roman"/>
-        <a:font script="Uigh" typeface="Microsoft Uighur"/>
-        <a:font script="Geor" typeface="Sylfaen"/>
-      </a:majorFont>
-      <a:minorFont>
-        <a:latin typeface="Arial"/>
-        <a:ea typeface=""/>
-        <a:cs typeface=""/>
-        <a:font script="Jpan" typeface="ＭＳ Ｐゴシック"/>
-        <a:font script="Hang" typeface="맑은 고딕"/>
-        <a:font script="Hans" typeface="宋体"/>
-        <a:font script="Hant" typeface="新細明體"/>
-        <a:font script="Arab" typeface="Arial"/>
-        <a:font script="Hebr" typeface="Arial"/>
-        <a:font script="Thai" typeface="Cordia New"/>
-        <a:font script="Ethi" typeface="Nyala"/>
-        <a:font script="Beng" typeface="Vrinda"/>
-        <a:font script="Gujr" typeface="Shruti"/>
-        <a:font script="Khmr" typeface="DaunPenh"/>
-        <a:font script="Knda" typeface="Tunga"/>
-        <a:font script="Guru" typeface="Raavi"/>
-        <a:font script="Cans" typeface="Euphemia"/>
-        <a:font script="Cher" typeface="Plantagenet Cherokee"/>
-        <a:font script="Yiii" typeface="Microsoft Yi Baiti"/>
-        <a:font script="Tibt" typeface="Microsoft Himalaya"/>
-        <a:font script="Thaa" typeface="MV Boli"/>
-        <a:font script="Deva" typeface="Mangal"/>
-        <a:font script="Telu" typeface="Gautami"/>
-        <a:font script="Taml" typeface="Latha"/>
-        <a:font script="Syrc" typeface="Estrangelo Edessa"/>
-        <a:font script="Orya" typeface="Kalinga"/>
-        <a:font script="Mlym" typeface="Kartika"/>
-        <a:font script="Laoo" typeface="DokChampa"/>
-        <a:font script="Sinh" typeface="Iskoola Pota"/>
-        <a:font script="Mong" typeface="Mongolian Baiti"/>
-        <a:font script="Viet" typeface="Arial"/>
-        <a:font script="Uigh" typeface="Microsoft Uighur"/>
-        <a:font script="Geor" typeface="Sylfaen"/>
-      </a:minorFont>
-    </a:fontScheme>
-    <a:fmtScheme name="Office">
-      <a:fillStyleLst>
-        <a:solidFill>
-          <a:schemeClr val="phClr"/>
-        </a:solidFill>
-        <a:gradFill rotWithShape="1">
-          <a:gsLst>
-            <a:gs pos="0">
-              <a:schemeClr val="phClr">
-                <a:tint val="50000"/>
-                <a:satMod val="300000"/>
-              </a:schemeClr>
-            </a:gs>
-            <a:gs pos="35000">
-              <a:schemeClr val="phClr">
-                <a:tint val="37000"/>
-                <a:satMod val="300000"/>
-              </a:schemeClr>
-            </a:gs>
-            <a:gs pos="100000">
-              <a:schemeClr val="phClr">
-                <a:tint val="15000"/>
-                <a:satMod val="350000"/>
-              </a:schemeClr>
-            </a:gs>
-          </a:gsLst>
-          <a:lin ang="16200000" scaled="1"/>
-        </a:gradFill>
-        <a:gradFill rotWithShape="1">
-          <a:gsLst>
-            <a:gs pos="0">
-              <a:schemeClr val="phClr">
-                <a:tint val="100000"/>
-                <a:shade val="100000"/>
-                <a:satMod val="130000"/>
-              </a:schemeClr>
-            </a:gs>
-            <a:gs pos="100000">
-              <a:schemeClr val="phClr">
-                <a:tint val="50000"/>
-                <a:shade val="100000"/>
-                <a:satMod val="350000"/>
-              </a:schemeClr>
-            </a:gs>
-          </a:gsLst>
-          <a:lin ang="16200000" scaled="0"/>
-        </a:gradFill>
-      </a:fillStyleLst>
-      <a:lnStyleLst>
-        <a:ln w="9525" cap="flat" cmpd="sng" algn="ctr">
-          <a:solidFill>
-            <a:schemeClr val="phClr">
-              <a:shade val="95000"/>
-              <a:satMod val="105000"/>
-            </a:schemeClr>
-          </a:solidFill>
-          <a:prstDash val="solid"/>
-        </a:ln>
-        <a:ln w="25400" cap="flat" cmpd="sng" algn="ctr">
-          <a:solidFill>
-            <a:schemeClr val="phClr"/>
-          </a:solidFill>
-          <a:prstDash val="solid"/>
-        </a:ln>
-        <a:ln w="38100" cap="flat" cmpd="sng" algn="ctr">
-          <a:solidFill>
-            <a:schemeClr val="phClr"/>
-          </a:solidFill>
-          <a:prstDash val="solid"/>
-        </a:ln>
-      </a:lnStyleLst>
-      <a:effectStyleLst>
-        <a:effectStyle>
-          <a:effectLst>
-            <a:outerShdw blurRad="40000" dist="20000" dir="5400000" rotWithShape="0">
-              <a:srgbClr val="000000">
-                <a:alpha val="38000"/>
-              </a:srgbClr>
-            </a:outerShdw>
-          </a:effectLst>
-        </a:effectStyle>
-        <a:effectStyle>
-          <a:effectLst>
-            <a:outerShdw blurRad="40000" dist="23000" dir="5400000" rotWithShape="0">
-              <a:srgbClr val="000000">
-                <a:alpha val="35000"/>
-              </a:srgbClr>
-            </a:outerShdw>
-          </a:effectLst>
-        </a:effectStyle>
-        <a:effectStyle>
-          <a:effectLst>
-            <a:outerShdw blurRad="40000" dist="23000" dir="5400000" rotWithShape="0">
-              <a:srgbClr val="000000">
-                <a:alpha val="35000"/>
-              </a:srgbClr>
-            </a:outerShdw>
-          </a:effectLst>
-          <a:scene3d>
-            <a:camera prst="orthographicFront">
-              <a:rot lat="0" lon="0" rev="0"/>
-            </a:camera>
-            <a:lightRig rig="threePt" dir="t">
-              <a:rot lat="0" lon="0" rev="1200000"/>
-            </a:lightRig>
-          </a:scene3d>
-          <a:sp3d>
-            <a:bevelT w="63500" h="25400"/>
-          </a:sp3d>
-        </a:effectStyle>
-      </a:effectStyleLst>
-      <a:bgFillStyleLst>
-        <a:solidFill>
-          <a:schemeClr val="phClr"/>
-        </a:solidFill>
-        <a:gradFill rotWithShape="1">
-          <a:gsLst>
-            <a:gs pos="0">
-              <a:schemeClr val="phClr">
-                <a:tint val="40000"/>
-                <a:satMod val="350000"/>
-              </a:schemeClr>
-            </a:gs>
-            <a:gs pos="40000">
-              <a:schemeClr val="phClr">
-                <a:tint val="45000"/>
-                <a:shade val="99000"/>
-                <a:satMod val="350000"/>
-              </a:schemeClr>
-            </a:gs>
-            <a:gs pos="100000">
-              <a:schemeClr val="phClr">
-                <a:shade val="20000"/>
-                <a:satMod val="255000"/>
-              </a:schemeClr>
-            </a:gs>
-          </a:gsLst>
-          <a:path path="circle">
-            <a:fillToRect l="50000" t="-80000" r="50000" b="180000"/>
-          </a:path>
-        </a:gradFill>
-        <a:gradFill rotWithShape="1">
-          <a:gsLst>
-            <a:gs pos="0">
-              <a:schemeClr val="phClr">
-                <a:tint val="80000"/>
-                <a:satMod val="300000"/>
-              </a:schemeClr>
-            </a:gs>
-            <a:gs pos="100000">
-              <a:schemeClr val="phClr">
-                <a:shade val="30000"/>
-                <a:satMod val="200000"/>
-              </a:schemeClr>
-            </a:gs>
-          </a:gsLst>
-          <a:path path="circle">
-            <a:fillToRect l="50000" t="50000" r="50000" b="50000"/>
-          </a:path>
-        </a:gradFill>
-      </a:bgFillStyleLst>
-    </a:fmtScheme>
-  </a:themeElements>
-</a:theme>
 </file>